--- a/Cuối kỳ/Slide NCKH_file PowerPoint.pptx
+++ b/Cuối kỳ/Slide NCKH_file PowerPoint.pptx
@@ -5,39 +5,32 @@
     <p:sldMasterId id="2147483648" r:id="rId1"/>
   </p:sldMasterIdLst>
   <p:sldIdLst>
-    <p:sldId id="256" r:id="rId3"/>
-    <p:sldId id="257" r:id="rId4"/>
-    <p:sldId id="258" r:id="rId5"/>
-    <p:sldId id="259" r:id="rId6"/>
-    <p:sldId id="260" r:id="rId7"/>
-    <p:sldId id="261" r:id="rId8"/>
-    <p:sldId id="262" r:id="rId9"/>
-    <p:sldId id="263" r:id="rId10"/>
-    <p:sldId id="264" r:id="rId11"/>
-    <p:sldId id="265" r:id="rId12"/>
-    <p:sldId id="266" r:id="rId13"/>
-    <p:sldId id="267" r:id="rId14"/>
-    <p:sldId id="268" r:id="rId15"/>
-    <p:sldId id="269" r:id="rId16"/>
-    <p:sldId id="270" r:id="rId17"/>
+    <p:sldId id="256" r:id="rId2"/>
+    <p:sldId id="257" r:id="rId3"/>
+    <p:sldId id="258" r:id="rId4"/>
+    <p:sldId id="259" r:id="rId5"/>
+    <p:sldId id="260" r:id="rId6"/>
+    <p:sldId id="261" r:id="rId7"/>
+    <p:sldId id="262" r:id="rId8"/>
+    <p:sldId id="263" r:id="rId9"/>
+    <p:sldId id="264" r:id="rId10"/>
+    <p:sldId id="265" r:id="rId11"/>
+    <p:sldId id="266" r:id="rId12"/>
+    <p:sldId id="267" r:id="rId13"/>
+    <p:sldId id="268" r:id="rId14"/>
+    <p:sldId id="269" r:id="rId15"/>
+    <p:sldId id="270" r:id="rId16"/>
   </p:sldIdLst>
   <p:sldSz cx="18288000" cy="10287000"/>
   <p:notesSz cx="6858000" cy="9144000"/>
   <p:embeddedFontLst>
     <p:embeddedFont>
-      <p:font typeface="Quicksand Bold"/>
-      <p:bold r:id="rId21"/>
+      <p:font typeface="Quicksand" panose="020B0604020202020204" charset="0"/>
+      <p:regular r:id="rId17"/>
     </p:embeddedFont>
     <p:embeddedFont>
-      <p:font typeface="Quicksand"/>
-      <p:regular r:id="rId22"/>
-    </p:embeddedFont>
-    <p:embeddedFont>
-      <p:font typeface="Calibri" panose="020F0502020204030204" charset="0"/>
-      <p:regular r:id="rId23"/>
-      <p:bold r:id="rId24"/>
-      <p:italic r:id="rId25"/>
-      <p:boldItalic r:id="rId26"/>
+      <p:font typeface="Quicksand Bold" panose="020B0604020202020204" charset="0"/>
+      <p:regular r:id="rId18"/>
     </p:embeddedFont>
   </p:embeddedFontLst>
   <p:defaultTextStyle>
@@ -138,12 +131,12 @@
   <p:extLst>
     <p:ext uri="{EFAFB233-063F-42B5-8137-9DF3F51BA10A}">
       <p15:sldGuideLst xmlns:p15="http://schemas.microsoft.com/office/powerpoint/2012/main">
-        <p15:guide id="1" orient="horz" pos="2160" userDrawn="1">
+        <p15:guide id="1" orient="horz" pos="2160">
           <p15:clr>
             <a:srgbClr val="A4A3A4"/>
           </p15:clr>
         </p15:guide>
-        <p15:guide id="2" pos="2880" userDrawn="1">
+        <p15:guide id="2" pos="2880">
           <p15:clr>
             <a:srgbClr val="A4A3A4"/>
           </p15:clr>
@@ -195,7 +188,6 @@
               <a:rPr lang="en-US"/>
               <a:t>Click to edit Master title style</a:t>
             </a:r>
-            <a:endParaRPr lang="en-US"/>
           </a:p>
         </p:txBody>
       </p:sp>
@@ -314,7 +306,6 @@
               <a:rPr lang="en-US"/>
               <a:t>Click to edit Master subtitle style</a:t>
             </a:r>
-            <a:endParaRPr lang="en-US"/>
           </a:p>
         </p:txBody>
       </p:sp>
@@ -335,6 +326,8 @@
           <a:p>
             <a:fld id="{1D8BD707-D9CF-40AE-B4C6-C98DA3205C09}" type="datetimeFigureOut">
               <a:rPr lang="en-US" smtClean="0"/>
+              <a:pPr/>
+              <a:t>5/23/2025</a:t>
             </a:fld>
             <a:endParaRPr lang="en-US"/>
           </a:p>
@@ -376,6 +369,8 @@
           <a:p>
             <a:fld id="{B6F15528-21DE-4FAA-801E-634DDDAF4B2B}" type="slidenum">
               <a:rPr lang="en-US" smtClean="0"/>
+              <a:pPr/>
+              <a:t>‹#›</a:t>
             </a:fld>
             <a:endParaRPr lang="en-US"/>
           </a:p>
@@ -425,7 +420,6 @@
               <a:rPr lang="en-US"/>
               <a:t>Click to edit Master title style</a:t>
             </a:r>
-            <a:endParaRPr lang="en-US"/>
           </a:p>
         </p:txBody>
       </p:sp>
@@ -449,7 +443,6 @@
               <a:rPr lang="en-US"/>
               <a:t>Click to edit Master text styles</a:t>
             </a:r>
-            <a:endParaRPr lang="en-US"/>
           </a:p>
           <a:p>
             <a:pPr lvl="1"/>
@@ -457,7 +450,6 @@
               <a:rPr lang="en-US"/>
               <a:t>Second level</a:t>
             </a:r>
-            <a:endParaRPr lang="en-US"/>
           </a:p>
           <a:p>
             <a:pPr lvl="2"/>
@@ -465,7 +457,6 @@
               <a:rPr lang="en-US"/>
               <a:t>Third level</a:t>
             </a:r>
-            <a:endParaRPr lang="en-US"/>
           </a:p>
           <a:p>
             <a:pPr lvl="3"/>
@@ -473,7 +464,6 @@
               <a:rPr lang="en-US"/>
               <a:t>Fourth level</a:t>
             </a:r>
-            <a:endParaRPr lang="en-US"/>
           </a:p>
           <a:p>
             <a:pPr lvl="4"/>
@@ -481,7 +471,6 @@
               <a:rPr lang="en-US"/>
               <a:t>Fifth level</a:t>
             </a:r>
-            <a:endParaRPr lang="en-US"/>
           </a:p>
         </p:txBody>
       </p:sp>
@@ -502,6 +491,8 @@
           <a:p>
             <a:fld id="{1D8BD707-D9CF-40AE-B4C6-C98DA3205C09}" type="datetimeFigureOut">
               <a:rPr lang="en-US" smtClean="0"/>
+              <a:pPr/>
+              <a:t>5/23/2025</a:t>
             </a:fld>
             <a:endParaRPr lang="en-US"/>
           </a:p>
@@ -543,6 +534,8 @@
           <a:p>
             <a:fld id="{B6F15528-21DE-4FAA-801E-634DDDAF4B2B}" type="slidenum">
               <a:rPr lang="en-US" smtClean="0"/>
+              <a:pPr/>
+              <a:t>‹#›</a:t>
             </a:fld>
             <a:endParaRPr lang="en-US"/>
           </a:p>
@@ -597,7 +590,6 @@
               <a:rPr lang="en-US"/>
               <a:t>Click to edit Master title style</a:t>
             </a:r>
-            <a:endParaRPr lang="en-US"/>
           </a:p>
         </p:txBody>
       </p:sp>
@@ -626,7 +618,6 @@
               <a:rPr lang="en-US"/>
               <a:t>Click to edit Master text styles</a:t>
             </a:r>
-            <a:endParaRPr lang="en-US"/>
           </a:p>
           <a:p>
             <a:pPr lvl="1"/>
@@ -634,7 +625,6 @@
               <a:rPr lang="en-US"/>
               <a:t>Second level</a:t>
             </a:r>
-            <a:endParaRPr lang="en-US"/>
           </a:p>
           <a:p>
             <a:pPr lvl="2"/>
@@ -642,7 +632,6 @@
               <a:rPr lang="en-US"/>
               <a:t>Third level</a:t>
             </a:r>
-            <a:endParaRPr lang="en-US"/>
           </a:p>
           <a:p>
             <a:pPr lvl="3"/>
@@ -650,7 +639,6 @@
               <a:rPr lang="en-US"/>
               <a:t>Fourth level</a:t>
             </a:r>
-            <a:endParaRPr lang="en-US"/>
           </a:p>
           <a:p>
             <a:pPr lvl="4"/>
@@ -658,7 +646,6 @@
               <a:rPr lang="en-US"/>
               <a:t>Fifth level</a:t>
             </a:r>
-            <a:endParaRPr lang="en-US"/>
           </a:p>
         </p:txBody>
       </p:sp>
@@ -679,6 +666,8 @@
           <a:p>
             <a:fld id="{1D8BD707-D9CF-40AE-B4C6-C98DA3205C09}" type="datetimeFigureOut">
               <a:rPr lang="en-US" smtClean="0"/>
+              <a:pPr/>
+              <a:t>5/23/2025</a:t>
             </a:fld>
             <a:endParaRPr lang="en-US"/>
           </a:p>
@@ -720,6 +709,8 @@
           <a:p>
             <a:fld id="{B6F15528-21DE-4FAA-801E-634DDDAF4B2B}" type="slidenum">
               <a:rPr lang="en-US" smtClean="0"/>
+              <a:pPr/>
+              <a:t>‹#›</a:t>
             </a:fld>
             <a:endParaRPr lang="en-US"/>
           </a:p>
@@ -769,7 +760,6 @@
               <a:rPr lang="en-US"/>
               <a:t>Click to edit Master title style</a:t>
             </a:r>
-            <a:endParaRPr lang="en-US"/>
           </a:p>
         </p:txBody>
       </p:sp>
@@ -793,7 +783,6 @@
               <a:rPr lang="en-US"/>
               <a:t>Click to edit Master text styles</a:t>
             </a:r>
-            <a:endParaRPr lang="en-US"/>
           </a:p>
           <a:p>
             <a:pPr lvl="1"/>
@@ -801,7 +790,6 @@
               <a:rPr lang="en-US"/>
               <a:t>Second level</a:t>
             </a:r>
-            <a:endParaRPr lang="en-US"/>
           </a:p>
           <a:p>
             <a:pPr lvl="2"/>
@@ -809,7 +797,6 @@
               <a:rPr lang="en-US"/>
               <a:t>Third level</a:t>
             </a:r>
-            <a:endParaRPr lang="en-US"/>
           </a:p>
           <a:p>
             <a:pPr lvl="3"/>
@@ -817,7 +804,6 @@
               <a:rPr lang="en-US"/>
               <a:t>Fourth level</a:t>
             </a:r>
-            <a:endParaRPr lang="en-US"/>
           </a:p>
           <a:p>
             <a:pPr lvl="4"/>
@@ -825,7 +811,6 @@
               <a:rPr lang="en-US"/>
               <a:t>Fifth level</a:t>
             </a:r>
-            <a:endParaRPr lang="en-US"/>
           </a:p>
         </p:txBody>
       </p:sp>
@@ -846,6 +831,8 @@
           <a:p>
             <a:fld id="{1D8BD707-D9CF-40AE-B4C6-C98DA3205C09}" type="datetimeFigureOut">
               <a:rPr lang="en-US" smtClean="0"/>
+              <a:pPr/>
+              <a:t>5/23/2025</a:t>
             </a:fld>
             <a:endParaRPr lang="en-US"/>
           </a:p>
@@ -887,6 +874,8 @@
           <a:p>
             <a:fld id="{B6F15528-21DE-4FAA-801E-634DDDAF4B2B}" type="slidenum">
               <a:rPr lang="en-US" smtClean="0"/>
+              <a:pPr/>
+              <a:t>‹#›</a:t>
             </a:fld>
             <a:endParaRPr lang="en-US"/>
           </a:p>
@@ -945,7 +934,6 @@
               <a:rPr lang="en-US"/>
               <a:t>Click to edit Master title style</a:t>
             </a:r>
-            <a:endParaRPr lang="en-US"/>
           </a:p>
         </p:txBody>
       </p:sp>
@@ -1065,7 +1053,6 @@
               <a:rPr lang="en-US"/>
               <a:t>Click to edit Master text styles</a:t>
             </a:r>
-            <a:endParaRPr lang="en-US"/>
           </a:p>
         </p:txBody>
       </p:sp>
@@ -1086,6 +1073,8 @@
           <a:p>
             <a:fld id="{1D8BD707-D9CF-40AE-B4C6-C98DA3205C09}" type="datetimeFigureOut">
               <a:rPr lang="en-US" smtClean="0"/>
+              <a:pPr/>
+              <a:t>5/23/2025</a:t>
             </a:fld>
             <a:endParaRPr lang="en-US"/>
           </a:p>
@@ -1127,6 +1116,8 @@
           <a:p>
             <a:fld id="{B6F15528-21DE-4FAA-801E-634DDDAF4B2B}" type="slidenum">
               <a:rPr lang="en-US" smtClean="0"/>
+              <a:pPr/>
+              <a:t>‹#›</a:t>
             </a:fld>
             <a:endParaRPr lang="en-US"/>
           </a:p>
@@ -1176,7 +1167,6 @@
               <a:rPr lang="en-US"/>
               <a:t>Click to edit Master title style</a:t>
             </a:r>
-            <a:endParaRPr lang="en-US"/>
           </a:p>
         </p:txBody>
       </p:sp>
@@ -1233,7 +1223,6 @@
               <a:rPr lang="en-US"/>
               <a:t>Click to edit Master text styles</a:t>
             </a:r>
-            <a:endParaRPr lang="en-US"/>
           </a:p>
           <a:p>
             <a:pPr lvl="1"/>
@@ -1241,7 +1230,6 @@
               <a:rPr lang="en-US"/>
               <a:t>Second level</a:t>
             </a:r>
-            <a:endParaRPr lang="en-US"/>
           </a:p>
           <a:p>
             <a:pPr lvl="2"/>
@@ -1249,7 +1237,6 @@
               <a:rPr lang="en-US"/>
               <a:t>Third level</a:t>
             </a:r>
-            <a:endParaRPr lang="en-US"/>
           </a:p>
           <a:p>
             <a:pPr lvl="3"/>
@@ -1257,7 +1244,6 @@
               <a:rPr lang="en-US"/>
               <a:t>Fourth level</a:t>
             </a:r>
-            <a:endParaRPr lang="en-US"/>
           </a:p>
           <a:p>
             <a:pPr lvl="4"/>
@@ -1265,7 +1251,6 @@
               <a:rPr lang="en-US"/>
               <a:t>Fifth level</a:t>
             </a:r>
-            <a:endParaRPr lang="en-US"/>
           </a:p>
         </p:txBody>
       </p:sp>
@@ -1322,7 +1307,6 @@
               <a:rPr lang="en-US"/>
               <a:t>Click to edit Master text styles</a:t>
             </a:r>
-            <a:endParaRPr lang="en-US"/>
           </a:p>
           <a:p>
             <a:pPr lvl="1"/>
@@ -1330,7 +1314,6 @@
               <a:rPr lang="en-US"/>
               <a:t>Second level</a:t>
             </a:r>
-            <a:endParaRPr lang="en-US"/>
           </a:p>
           <a:p>
             <a:pPr lvl="2"/>
@@ -1338,7 +1321,6 @@
               <a:rPr lang="en-US"/>
               <a:t>Third level</a:t>
             </a:r>
-            <a:endParaRPr lang="en-US"/>
           </a:p>
           <a:p>
             <a:pPr lvl="3"/>
@@ -1346,7 +1328,6 @@
               <a:rPr lang="en-US"/>
               <a:t>Fourth level</a:t>
             </a:r>
-            <a:endParaRPr lang="en-US"/>
           </a:p>
           <a:p>
             <a:pPr lvl="4"/>
@@ -1354,7 +1335,6 @@
               <a:rPr lang="en-US"/>
               <a:t>Fifth level</a:t>
             </a:r>
-            <a:endParaRPr lang="en-US"/>
           </a:p>
         </p:txBody>
       </p:sp>
@@ -1375,6 +1355,8 @@
           <a:p>
             <a:fld id="{1D8BD707-D9CF-40AE-B4C6-C98DA3205C09}" type="datetimeFigureOut">
               <a:rPr lang="en-US" smtClean="0"/>
+              <a:pPr/>
+              <a:t>5/23/2025</a:t>
             </a:fld>
             <a:endParaRPr lang="en-US"/>
           </a:p>
@@ -1416,6 +1398,8 @@
           <a:p>
             <a:fld id="{B6F15528-21DE-4FAA-801E-634DDDAF4B2B}" type="slidenum">
               <a:rPr lang="en-US" smtClean="0"/>
+              <a:pPr/>
+              <a:t>‹#›</a:t>
             </a:fld>
             <a:endParaRPr lang="en-US"/>
           </a:p>
@@ -1469,7 +1453,6 @@
               <a:rPr lang="en-US"/>
               <a:t>Click to edit Master title style</a:t>
             </a:r>
-            <a:endParaRPr lang="en-US"/>
           </a:p>
         </p:txBody>
       </p:sp>
@@ -1535,7 +1518,6 @@
               <a:rPr lang="en-US"/>
               <a:t>Click to edit Master text styles</a:t>
             </a:r>
-            <a:endParaRPr lang="en-US"/>
           </a:p>
         </p:txBody>
       </p:sp>
@@ -1592,7 +1574,6 @@
               <a:rPr lang="en-US"/>
               <a:t>Click to edit Master text styles</a:t>
             </a:r>
-            <a:endParaRPr lang="en-US"/>
           </a:p>
           <a:p>
             <a:pPr lvl="1"/>
@@ -1600,7 +1581,6 @@
               <a:rPr lang="en-US"/>
               <a:t>Second level</a:t>
             </a:r>
-            <a:endParaRPr lang="en-US"/>
           </a:p>
           <a:p>
             <a:pPr lvl="2"/>
@@ -1608,7 +1588,6 @@
               <a:rPr lang="en-US"/>
               <a:t>Third level</a:t>
             </a:r>
-            <a:endParaRPr lang="en-US"/>
           </a:p>
           <a:p>
             <a:pPr lvl="3"/>
@@ -1616,7 +1595,6 @@
               <a:rPr lang="en-US"/>
               <a:t>Fourth level</a:t>
             </a:r>
-            <a:endParaRPr lang="en-US"/>
           </a:p>
           <a:p>
             <a:pPr lvl="4"/>
@@ -1624,7 +1602,6 @@
               <a:rPr lang="en-US"/>
               <a:t>Fifth level</a:t>
             </a:r>
-            <a:endParaRPr lang="en-US"/>
           </a:p>
         </p:txBody>
       </p:sp>
@@ -1690,7 +1667,6 @@
               <a:rPr lang="en-US"/>
               <a:t>Click to edit Master text styles</a:t>
             </a:r>
-            <a:endParaRPr lang="en-US"/>
           </a:p>
         </p:txBody>
       </p:sp>
@@ -1747,7 +1723,6 @@
               <a:rPr lang="en-US"/>
               <a:t>Click to edit Master text styles</a:t>
             </a:r>
-            <a:endParaRPr lang="en-US"/>
           </a:p>
           <a:p>
             <a:pPr lvl="1"/>
@@ -1755,7 +1730,6 @@
               <a:rPr lang="en-US"/>
               <a:t>Second level</a:t>
             </a:r>
-            <a:endParaRPr lang="en-US"/>
           </a:p>
           <a:p>
             <a:pPr lvl="2"/>
@@ -1763,7 +1737,6 @@
               <a:rPr lang="en-US"/>
               <a:t>Third level</a:t>
             </a:r>
-            <a:endParaRPr lang="en-US"/>
           </a:p>
           <a:p>
             <a:pPr lvl="3"/>
@@ -1771,7 +1744,6 @@
               <a:rPr lang="en-US"/>
               <a:t>Fourth level</a:t>
             </a:r>
-            <a:endParaRPr lang="en-US"/>
           </a:p>
           <a:p>
             <a:pPr lvl="4"/>
@@ -1779,7 +1751,6 @@
               <a:rPr lang="en-US"/>
               <a:t>Fifth level</a:t>
             </a:r>
-            <a:endParaRPr lang="en-US"/>
           </a:p>
         </p:txBody>
       </p:sp>
@@ -1800,6 +1771,8 @@
           <a:p>
             <a:fld id="{1D8BD707-D9CF-40AE-B4C6-C98DA3205C09}" type="datetimeFigureOut">
               <a:rPr lang="en-US" smtClean="0"/>
+              <a:pPr/>
+              <a:t>5/23/2025</a:t>
             </a:fld>
             <a:endParaRPr lang="en-US"/>
           </a:p>
@@ -1841,6 +1814,8 @@
           <a:p>
             <a:fld id="{B6F15528-21DE-4FAA-801E-634DDDAF4B2B}" type="slidenum">
               <a:rPr lang="en-US" smtClean="0"/>
+              <a:pPr/>
+              <a:t>‹#›</a:t>
             </a:fld>
             <a:endParaRPr lang="en-US"/>
           </a:p>
@@ -1890,7 +1865,6 @@
               <a:rPr lang="en-US"/>
               <a:t>Click to edit Master title style</a:t>
             </a:r>
-            <a:endParaRPr lang="en-US"/>
           </a:p>
         </p:txBody>
       </p:sp>
@@ -1911,6 +1885,8 @@
           <a:p>
             <a:fld id="{1D8BD707-D9CF-40AE-B4C6-C98DA3205C09}" type="datetimeFigureOut">
               <a:rPr lang="en-US" smtClean="0"/>
+              <a:pPr/>
+              <a:t>5/23/2025</a:t>
             </a:fld>
             <a:endParaRPr lang="en-US"/>
           </a:p>
@@ -1952,6 +1928,8 @@
           <a:p>
             <a:fld id="{B6F15528-21DE-4FAA-801E-634DDDAF4B2B}" type="slidenum">
               <a:rPr lang="en-US" smtClean="0"/>
+              <a:pPr/>
+              <a:t>‹#›</a:t>
             </a:fld>
             <a:endParaRPr lang="en-US"/>
           </a:p>
@@ -1999,6 +1977,8 @@
           <a:p>
             <a:fld id="{1D8BD707-D9CF-40AE-B4C6-C98DA3205C09}" type="datetimeFigureOut">
               <a:rPr lang="en-US" smtClean="0"/>
+              <a:pPr/>
+              <a:t>5/23/2025</a:t>
             </a:fld>
             <a:endParaRPr lang="en-US"/>
           </a:p>
@@ -2040,6 +2020,8 @@
           <a:p>
             <a:fld id="{B6F15528-21DE-4FAA-801E-634DDDAF4B2B}" type="slidenum">
               <a:rPr lang="en-US" smtClean="0"/>
+              <a:pPr/>
+              <a:t>‹#›</a:t>
             </a:fld>
             <a:endParaRPr lang="en-US"/>
           </a:p>
@@ -2098,7 +2080,6 @@
               <a:rPr lang="en-US"/>
               <a:t>Click to edit Master title style</a:t>
             </a:r>
-            <a:endParaRPr lang="en-US"/>
           </a:p>
         </p:txBody>
       </p:sp>
@@ -2155,7 +2136,6 @@
               <a:rPr lang="en-US"/>
               <a:t>Click to edit Master text styles</a:t>
             </a:r>
-            <a:endParaRPr lang="en-US"/>
           </a:p>
           <a:p>
             <a:pPr lvl="1"/>
@@ -2163,7 +2143,6 @@
               <a:rPr lang="en-US"/>
               <a:t>Second level</a:t>
             </a:r>
-            <a:endParaRPr lang="en-US"/>
           </a:p>
           <a:p>
             <a:pPr lvl="2"/>
@@ -2171,7 +2150,6 @@
               <a:rPr lang="en-US"/>
               <a:t>Third level</a:t>
             </a:r>
-            <a:endParaRPr lang="en-US"/>
           </a:p>
           <a:p>
             <a:pPr lvl="3"/>
@@ -2179,7 +2157,6 @@
               <a:rPr lang="en-US"/>
               <a:t>Fourth level</a:t>
             </a:r>
-            <a:endParaRPr lang="en-US"/>
           </a:p>
           <a:p>
             <a:pPr lvl="4"/>
@@ -2187,7 +2164,6 @@
               <a:rPr lang="en-US"/>
               <a:t>Fifth level</a:t>
             </a:r>
-            <a:endParaRPr lang="en-US"/>
           </a:p>
         </p:txBody>
       </p:sp>
@@ -2253,7 +2229,6 @@
               <a:rPr lang="en-US"/>
               <a:t>Click to edit Master text styles</a:t>
             </a:r>
-            <a:endParaRPr lang="en-US"/>
           </a:p>
         </p:txBody>
       </p:sp>
@@ -2274,6 +2249,8 @@
           <a:p>
             <a:fld id="{1D8BD707-D9CF-40AE-B4C6-C98DA3205C09}" type="datetimeFigureOut">
               <a:rPr lang="en-US" smtClean="0"/>
+              <a:pPr/>
+              <a:t>5/23/2025</a:t>
             </a:fld>
             <a:endParaRPr lang="en-US"/>
           </a:p>
@@ -2315,6 +2292,8 @@
           <a:p>
             <a:fld id="{B6F15528-21DE-4FAA-801E-634DDDAF4B2B}" type="slidenum">
               <a:rPr lang="en-US" smtClean="0"/>
+              <a:pPr/>
+              <a:t>‹#›</a:t>
             </a:fld>
             <a:endParaRPr lang="en-US"/>
           </a:p>
@@ -2373,7 +2352,6 @@
               <a:rPr lang="en-US"/>
               <a:t>Click to edit Master title style</a:t>
             </a:r>
-            <a:endParaRPr lang="en-US"/>
           </a:p>
         </p:txBody>
       </p:sp>
@@ -2500,7 +2478,6 @@
               <a:rPr lang="en-US"/>
               <a:t>Click to edit Master text styles</a:t>
             </a:r>
-            <a:endParaRPr lang="en-US"/>
           </a:p>
         </p:txBody>
       </p:sp>
@@ -2521,6 +2498,8 @@
           <a:p>
             <a:fld id="{1D8BD707-D9CF-40AE-B4C6-C98DA3205C09}" type="datetimeFigureOut">
               <a:rPr lang="en-US" smtClean="0"/>
+              <a:pPr/>
+              <a:t>5/23/2025</a:t>
             </a:fld>
             <a:endParaRPr lang="en-US"/>
           </a:p>
@@ -2562,6 +2541,8 @@
           <a:p>
             <a:fld id="{B6F15528-21DE-4FAA-801E-634DDDAF4B2B}" type="slidenum">
               <a:rPr lang="en-US" smtClean="0"/>
+              <a:pPr/>
+              <a:t>‹#›</a:t>
             </a:fld>
             <a:endParaRPr lang="en-US"/>
           </a:p>
@@ -2626,7 +2607,6 @@
               <a:rPr lang="en-US"/>
               <a:t>Click to edit Master title style</a:t>
             </a:r>
-            <a:endParaRPr lang="en-US"/>
           </a:p>
         </p:txBody>
       </p:sp>
@@ -2660,7 +2640,6 @@
               <a:rPr lang="en-US"/>
               <a:t>Click to edit Master text styles</a:t>
             </a:r>
-            <a:endParaRPr lang="en-US"/>
           </a:p>
           <a:p>
             <a:pPr lvl="1"/>
@@ -2668,7 +2647,6 @@
               <a:rPr lang="en-US"/>
               <a:t>Second level</a:t>
             </a:r>
-            <a:endParaRPr lang="en-US"/>
           </a:p>
           <a:p>
             <a:pPr lvl="2"/>
@@ -2676,7 +2654,6 @@
               <a:rPr lang="en-US"/>
               <a:t>Third level</a:t>
             </a:r>
-            <a:endParaRPr lang="en-US"/>
           </a:p>
           <a:p>
             <a:pPr lvl="3"/>
@@ -2684,7 +2661,6 @@
               <a:rPr lang="en-US"/>
               <a:t>Fourth level</a:t>
             </a:r>
-            <a:endParaRPr lang="en-US"/>
           </a:p>
           <a:p>
             <a:pPr lvl="4"/>
@@ -2692,7 +2668,6 @@
               <a:rPr lang="en-US"/>
               <a:t>Fifth level</a:t>
             </a:r>
-            <a:endParaRPr lang="en-US"/>
           </a:p>
         </p:txBody>
       </p:sp>
@@ -2731,6 +2706,8 @@
           <a:p>
             <a:fld id="{1D8BD707-D9CF-40AE-B4C6-C98DA3205C09}" type="datetimeFigureOut">
               <a:rPr lang="en-US" smtClean="0"/>
+              <a:pPr/>
+              <a:t>5/23/2025</a:t>
             </a:fld>
             <a:endParaRPr lang="en-US"/>
           </a:p>
@@ -2808,6 +2785,8 @@
           <a:p>
             <a:fld id="{B6F15528-21DE-4FAA-801E-634DDDAF4B2B}" type="slidenum">
               <a:rPr lang="en-US" smtClean="0"/>
+              <a:pPr/>
+              <a:t>‹#›</a:t>
             </a:fld>
             <a:endParaRPr lang="en-US"/>
           </a:p>
@@ -2851,7 +2830,7 @@
         <a:spcBef>
           <a:spcPct val="20000"/>
         </a:spcBef>
-        <a:buFont typeface="Arial" panose="020B0604020202020204" pitchFamily="34" charset="0"/>
+        <a:buFont typeface="Arial" pitchFamily="34" charset="0"/>
         <a:buChar char="•"/>
         <a:defRPr sz="3200" kern="1200">
           <a:solidFill>
@@ -2866,7 +2845,7 @@
         <a:spcBef>
           <a:spcPct val="20000"/>
         </a:spcBef>
-        <a:buFont typeface="Arial" panose="020B0604020202020204" pitchFamily="34" charset="0"/>
+        <a:buFont typeface="Arial" pitchFamily="34" charset="0"/>
         <a:buChar char="–"/>
         <a:defRPr sz="2800" kern="1200">
           <a:solidFill>
@@ -2881,7 +2860,7 @@
         <a:spcBef>
           <a:spcPct val="20000"/>
         </a:spcBef>
-        <a:buFont typeface="Arial" panose="020B0604020202020204" pitchFamily="34" charset="0"/>
+        <a:buFont typeface="Arial" pitchFamily="34" charset="0"/>
         <a:buChar char="•"/>
         <a:defRPr sz="2400" kern="1200">
           <a:solidFill>
@@ -2896,7 +2875,7 @@
         <a:spcBef>
           <a:spcPct val="20000"/>
         </a:spcBef>
-        <a:buFont typeface="Arial" panose="020B0604020202020204" pitchFamily="34" charset="0"/>
+        <a:buFont typeface="Arial" pitchFamily="34" charset="0"/>
         <a:buChar char="–"/>
         <a:defRPr sz="2000" kern="1200">
           <a:solidFill>
@@ -2911,7 +2890,7 @@
         <a:spcBef>
           <a:spcPct val="20000"/>
         </a:spcBef>
-        <a:buFont typeface="Arial" panose="020B0604020202020204" pitchFamily="34" charset="0"/>
+        <a:buFont typeface="Arial" pitchFamily="34" charset="0"/>
         <a:buChar char="»"/>
         <a:defRPr sz="2000" kern="1200">
           <a:solidFill>
@@ -2926,7 +2905,7 @@
         <a:spcBef>
           <a:spcPct val="20000"/>
         </a:spcBef>
-        <a:buFont typeface="Arial" panose="020B0604020202020204" pitchFamily="34" charset="0"/>
+        <a:buFont typeface="Arial" pitchFamily="34" charset="0"/>
         <a:buChar char="•"/>
         <a:defRPr sz="2000" kern="1200">
           <a:solidFill>
@@ -2941,7 +2920,7 @@
         <a:spcBef>
           <a:spcPct val="20000"/>
         </a:spcBef>
-        <a:buFont typeface="Arial" panose="020B0604020202020204" pitchFamily="34" charset="0"/>
+        <a:buFont typeface="Arial" pitchFamily="34" charset="0"/>
         <a:buChar char="•"/>
         <a:defRPr sz="2000" kern="1200">
           <a:solidFill>
@@ -2956,7 +2935,7 @@
         <a:spcBef>
           <a:spcPct val="20000"/>
         </a:spcBef>
-        <a:buFont typeface="Arial" panose="020B0604020202020204" pitchFamily="34" charset="0"/>
+        <a:buFont typeface="Arial" pitchFamily="34" charset="0"/>
         <a:buChar char="•"/>
         <a:defRPr sz="2000" kern="1200">
           <a:solidFill>
@@ -2971,7 +2950,7 @@
         <a:spcBef>
           <a:spcPct val="20000"/>
         </a:spcBef>
-        <a:buFont typeface="Arial" panose="020B0604020202020204" pitchFamily="34" charset="0"/>
+        <a:buFont typeface="Arial" pitchFamily="34" charset="0"/>
         <a:buChar char="•"/>
         <a:defRPr sz="2000" kern="1200">
           <a:solidFill>
@@ -3138,7 +3117,7 @@
             </a:pathLst>
           </a:custGeom>
           <a:blipFill>
-            <a:blip r:embed="rId1"/>
+            <a:blip r:embed="rId2"/>
             <a:stretch>
               <a:fillRect/>
             </a:stretch>
@@ -3175,14 +3154,14 @@
           <a:p>
             <a:pPr algn="ctr">
               <a:lnSpc>
-                <a:spcPts val="7000"/>
+                <a:spcPts val="6999"/>
               </a:lnSpc>
               <a:spcBef>
                 <a:spcPct val="0"/>
               </a:spcBef>
             </a:pPr>
             <a:r>
-              <a:rPr lang="en-US" sz="5000" b="1">
+              <a:rPr lang="en-US" sz="4999" b="1">
                 <a:solidFill>
                   <a:srgbClr val="00BF63"/>
                 </a:solidFill>
@@ -3193,7 +3172,17 @@
               </a:rPr>
               <a:t>Nhận dạng khuôn mặt bằng cách sử dụng mạng nơ-ron tích chập của Google</a:t>
             </a:r>
-            <a:endParaRPr lang="en-US" sz="5000" b="1">
+          </a:p>
+          <a:p>
+            <a:pPr algn="ctr">
+              <a:lnSpc>
+                <a:spcPts val="6999"/>
+              </a:lnSpc>
+              <a:spcBef>
+                <a:spcPct val="0"/>
+              </a:spcBef>
+            </a:pPr>
+            <a:endParaRPr lang="en-US" sz="4999" b="1">
               <a:solidFill>
                 <a:srgbClr val="00BF63"/>
               </a:solidFill>
@@ -3203,58 +3192,61 @@
               <a:sym typeface="Quicksand Bold"/>
             </a:endParaRPr>
           </a:p>
+        </p:txBody>
+      </p:sp>
+      <p:sp>
+        <p:nvSpPr>
+          <p:cNvPr id="4" name="TextBox 4"/>
+          <p:cNvSpPr txBox="1"/>
+          <p:nvPr/>
+        </p:nvSpPr>
+        <p:spPr>
+          <a:xfrm>
+            <a:off x="10859609" y="6342063"/>
+            <a:ext cx="6399691" cy="1325334"/>
+          </a:xfrm>
+          <a:prstGeom prst="rect">
+            <a:avLst/>
+          </a:prstGeom>
+        </p:spPr>
+        <p:txBody>
+          <a:bodyPr lIns="0" tIns="0" rIns="0" bIns="0" rtlCol="0" anchor="t">
+            <a:spAutoFit/>
+          </a:bodyPr>
+          <a:lstStyle/>
           <a:p>
             <a:pPr algn="ctr">
               <a:lnSpc>
-                <a:spcPts val="7000"/>
+                <a:spcPts val="5353"/>
               </a:lnSpc>
               <a:spcBef>
                 <a:spcPct val="0"/>
               </a:spcBef>
             </a:pPr>
-            <a:endParaRPr lang="en-US" sz="5000" b="1">
-              <a:solidFill>
-                <a:srgbClr val="00BF63"/>
-              </a:solidFill>
-              <a:latin typeface="Quicksand Bold"/>
-              <a:ea typeface="Quicksand Bold"/>
-              <a:cs typeface="Quicksand Bold"/>
-              <a:sym typeface="Quicksand Bold"/>
-            </a:endParaRPr>
-          </a:p>
-        </p:txBody>
-      </p:sp>
-      <p:sp>
-        <p:nvSpPr>
-          <p:cNvPr id="4" name="TextBox 4"/>
-          <p:cNvSpPr txBox="1"/>
-          <p:nvPr/>
-        </p:nvSpPr>
-        <p:spPr>
-          <a:xfrm>
-            <a:off x="10859770" y="6342380"/>
-            <a:ext cx="7138035" cy="1372870"/>
-          </a:xfrm>
-          <a:prstGeom prst="rect">
-            <a:avLst/>
-          </a:prstGeom>
-        </p:spPr>
-        <p:txBody>
-          <a:bodyPr wrap="square" lIns="0" tIns="0" rIns="0" bIns="0" rtlCol="0" anchor="t">
-            <a:spAutoFit/>
-          </a:bodyPr>
-          <a:lstStyle/>
-          <a:p>
-            <a:pPr algn="l">
+            <a:r>
+              <a:rPr lang="en-US" sz="3824">
+                <a:solidFill>
+                  <a:srgbClr val="000000"/>
+                </a:solidFill>
+                <a:latin typeface="Quicksand"/>
+                <a:ea typeface="Quicksand"/>
+                <a:cs typeface="Quicksand"/>
+                <a:sym typeface="Quicksand"/>
+              </a:rPr>
+              <a:t>Lê Quang Vinh - 3120411176</a:t>
+            </a:r>
+          </a:p>
+          <a:p>
+            <a:pPr algn="ctr">
               <a:lnSpc>
-                <a:spcPts val="5355"/>
+                <a:spcPts val="5353"/>
               </a:lnSpc>
               <a:spcBef>
                 <a:spcPct val="0"/>
               </a:spcBef>
             </a:pPr>
             <a:r>
-              <a:rPr lang="en-US" sz="3825">
+              <a:rPr lang="en-US" sz="3824">
                 <a:solidFill>
                   <a:srgbClr val="000000"/>
                 </a:solidFill>
@@ -3263,48 +3255,8 @@
                 <a:cs typeface="Quicksand"/>
                 <a:sym typeface="Quicksand"/>
               </a:rPr>
-              <a:t>Lê Quang Vinh - 3120411176</a:t>
-            </a:r>
-            <a:endParaRPr lang="en-US" sz="3825">
-              <a:solidFill>
-                <a:srgbClr val="000000"/>
-              </a:solidFill>
-              <a:latin typeface="Quicksand"/>
-              <a:ea typeface="Quicksand"/>
-              <a:cs typeface="Quicksand"/>
-              <a:sym typeface="Quicksand"/>
-            </a:endParaRPr>
-          </a:p>
-          <a:p>
-            <a:pPr algn="l">
-              <a:lnSpc>
-                <a:spcPts val="5355"/>
-              </a:lnSpc>
-              <a:spcBef>
-                <a:spcPct val="0"/>
-              </a:spcBef>
-            </a:pPr>
-            <a:r>
-              <a:rPr lang="en-US" sz="3825">
-                <a:solidFill>
-                  <a:srgbClr val="000000"/>
-                </a:solidFill>
-                <a:latin typeface="Quicksand"/>
-                <a:ea typeface="Quicksand"/>
-                <a:cs typeface="Quicksand"/>
-                <a:sym typeface="Quicksand"/>
-              </a:rPr>
-              <a:t>Vũ Thị Thanh Vân - 3120411173</a:t>
-            </a:r>
-            <a:endParaRPr lang="en-US" sz="3825">
-              <a:solidFill>
-                <a:srgbClr val="000000"/>
-              </a:solidFill>
-              <a:latin typeface="Quicksand"/>
-              <a:ea typeface="Quicksand"/>
-              <a:cs typeface="Quicksand"/>
-              <a:sym typeface="Quicksand"/>
-            </a:endParaRPr>
+              <a:t>Vũ thị thanh vân - 3120411173</a:t>
+            </a:r>
           </a:p>
         </p:txBody>
       </p:sp>
@@ -3372,7 +3324,7 @@
             </a:pathLst>
           </a:custGeom>
           <a:blipFill>
-            <a:blip r:embed="rId1"/>
+            <a:blip r:embed="rId2"/>
             <a:stretch>
               <a:fillRect/>
             </a:stretch>
@@ -3409,11 +3361,11 @@
           <a:p>
             <a:pPr algn="l">
               <a:lnSpc>
-                <a:spcPts val="7000"/>
+                <a:spcPts val="6999"/>
               </a:lnSpc>
             </a:pPr>
             <a:r>
-              <a:rPr lang="en-US" sz="5000" b="1">
+              <a:rPr lang="en-US" sz="4999" b="1">
                 <a:solidFill>
                   <a:srgbClr val="00BF63"/>
                 </a:solidFill>
@@ -3424,15 +3376,6 @@
               </a:rPr>
               <a:t>2.2 Quy trình huấn luyện lại mô hình Inception V3</a:t>
             </a:r>
-            <a:endParaRPr lang="en-US" sz="5000" b="1">
-              <a:solidFill>
-                <a:srgbClr val="00BF63"/>
-              </a:solidFill>
-              <a:latin typeface="Quicksand Bold"/>
-              <a:ea typeface="Quicksand Bold"/>
-              <a:cs typeface="Quicksand Bold"/>
-              <a:sym typeface="Quicksand Bold"/>
-            </a:endParaRPr>
           </a:p>
         </p:txBody>
       </p:sp>
@@ -3457,11 +3400,11 @@
           </a:bodyPr>
           <a:lstStyle/>
           <a:p>
-            <a:pPr marL="587375" lvl="1" indent="-293370" algn="l">
+            <a:pPr marL="587249" lvl="1" indent="-293624" algn="l">
               <a:lnSpc>
                 <a:spcPts val="4080"/>
               </a:lnSpc>
-              <a:buFont typeface="Arial" panose="020B0604020202020204"/>
+              <a:buFont typeface="Arial"/>
               <a:buChar char="•"/>
             </a:pPr>
             <a:r>
@@ -3476,22 +3419,13 @@
               </a:rPr>
               <a:t>Luồng xử lý: Đặc trưng ảnh đầu vào → MatMul (nhân trọng số) → BiasAdd (cộng bias) → people_logits (logits) → probability (xác suất dự đoán).</a:t>
             </a:r>
-            <a:endParaRPr lang="en-US" sz="2720">
-              <a:solidFill>
-                <a:srgbClr val="000000"/>
-              </a:solidFill>
-              <a:latin typeface="Quicksand"/>
-              <a:ea typeface="Quicksand"/>
-              <a:cs typeface="Quicksand"/>
-              <a:sym typeface="Quicksand"/>
-            </a:endParaRPr>
-          </a:p>
-          <a:p>
-            <a:pPr marL="587375" lvl="1" indent="-293370" algn="l">
+          </a:p>
+          <a:p>
+            <a:pPr marL="587249" lvl="1" indent="-293624" algn="l">
               <a:lnSpc>
                 <a:spcPts val="4080"/>
               </a:lnSpc>
-              <a:buFont typeface="Arial" panose="020B0604020202020204"/>
+              <a:buFont typeface="Arial"/>
               <a:buChar char="•"/>
             </a:pPr>
             <a:r>
@@ -3506,15 +3440,6 @@
               </a:rPr>
               <a:t>Chức năng: Lớp này đảm nhận nhiệm vụ phân loại cuối cùng, chuyển đổi đặc trưng trích xuất thành xác suất dự đoán cho từng cá nhân trong bài toán nhận diện khuôn mặt.</a:t>
             </a:r>
-            <a:endParaRPr lang="en-US" sz="2720">
-              <a:solidFill>
-                <a:srgbClr val="000000"/>
-              </a:solidFill>
-              <a:latin typeface="Quicksand"/>
-              <a:ea typeface="Quicksand"/>
-              <a:cs typeface="Quicksand"/>
-              <a:sym typeface="Quicksand"/>
-            </a:endParaRPr>
           </a:p>
           <a:p>
             <a:pPr algn="l">
@@ -3534,15 +3459,6 @@
               </a:rPr>
               <a:t>Sơ đồ này minh họa rõ cách lớp phân loại mới được xây dựng và hoạt động trong pipeline fine-tuning mô hình nhận diện khuôn mặt, đảm bảo mô hình có thể học và phân biệt các cá nhân dựa trên dữ liệu huấn luyện.</a:t>
             </a:r>
-            <a:endParaRPr lang="en-US" sz="2720">
-              <a:solidFill>
-                <a:srgbClr val="000000"/>
-              </a:solidFill>
-              <a:latin typeface="Quicksand"/>
-              <a:ea typeface="Quicksand"/>
-              <a:cs typeface="Quicksand"/>
-              <a:sym typeface="Quicksand"/>
-            </a:endParaRPr>
           </a:p>
           <a:p>
             <a:pPr algn="l">
@@ -3585,11 +3501,11 @@
           <a:p>
             <a:pPr algn="l">
               <a:lnSpc>
-                <a:spcPts val="6160"/>
+                <a:spcPts val="6159"/>
               </a:lnSpc>
             </a:pPr>
             <a:r>
-              <a:rPr lang="en-US" sz="4400" b="1">
+              <a:rPr lang="en-US" sz="4399" b="1">
                 <a:solidFill>
                   <a:srgbClr val="00BF63"/>
                 </a:solidFill>
@@ -3600,15 +3516,6 @@
               </a:rPr>
               <a:t>2.2.2 Lớp đầu ra mới</a:t>
             </a:r>
-            <a:endParaRPr lang="en-US" sz="4400" b="1">
-              <a:solidFill>
-                <a:srgbClr val="00BF63"/>
-              </a:solidFill>
-              <a:latin typeface="Quicksand Bold"/>
-              <a:ea typeface="Quicksand Bold"/>
-              <a:cs typeface="Quicksand Bold"/>
-              <a:sym typeface="Quicksand Bold"/>
-            </a:endParaRPr>
           </a:p>
         </p:txBody>
       </p:sp>
@@ -3676,7 +3583,7 @@
             </a:pathLst>
           </a:custGeom>
           <a:blipFill>
-            <a:blip r:embed="rId1"/>
+            <a:blip r:embed="rId2"/>
             <a:stretch>
               <a:fillRect/>
             </a:stretch>
@@ -3713,11 +3620,11 @@
           <a:p>
             <a:pPr algn="l">
               <a:lnSpc>
-                <a:spcPts val="7000"/>
+                <a:spcPts val="6999"/>
               </a:lnSpc>
             </a:pPr>
             <a:r>
-              <a:rPr lang="en-US" sz="5000" b="1">
+              <a:rPr lang="en-US" sz="4999" b="1">
                 <a:solidFill>
                   <a:srgbClr val="00BF63"/>
                 </a:solidFill>
@@ -3728,15 +3635,6 @@
               </a:rPr>
               <a:t>2.3 Sơ đồ tổng thể của mạng tích chập Inception V3</a:t>
             </a:r>
-            <a:endParaRPr lang="en-US" sz="5000" b="1">
-              <a:solidFill>
-                <a:srgbClr val="00BF63"/>
-              </a:solidFill>
-              <a:latin typeface="Quicksand Bold"/>
-              <a:ea typeface="Quicksand Bold"/>
-              <a:cs typeface="Quicksand Bold"/>
-              <a:sym typeface="Quicksand Bold"/>
-            </a:endParaRPr>
           </a:p>
         </p:txBody>
       </p:sp>
@@ -3778,22 +3676,13 @@
               </a:rPr>
               <a:t>Sơ đồ này mô tả pipeline xử lý của mô hình InceptionV3:</a:t>
             </a:r>
-            <a:endParaRPr lang="en-US" sz="2720">
-              <a:solidFill>
-                <a:srgbClr val="000000"/>
-              </a:solidFill>
-              <a:latin typeface="Quicksand"/>
-              <a:ea typeface="Quicksand"/>
-              <a:cs typeface="Quicksand"/>
-              <a:sym typeface="Quicksand"/>
-            </a:endParaRPr>
-          </a:p>
-          <a:p>
-            <a:pPr marL="587375" lvl="1" indent="-293370" algn="l">
+          </a:p>
+          <a:p>
+            <a:pPr marL="587249" lvl="1" indent="-293624" algn="l">
               <a:lnSpc>
                 <a:spcPts val="4080"/>
               </a:lnSpc>
-              <a:buFont typeface="Arial" panose="020B0604020202020204"/>
+              <a:buFont typeface="Arial"/>
               <a:buChar char="•"/>
             </a:pPr>
             <a:r>
@@ -3808,22 +3697,13 @@
               </a:rPr>
               <a:t>Ảnh đầu vào → qua nhiều lớp convolution và khối Inception → gom lại thành đặc trưng tổng hợp → lớp Logits → dự đoán cuối cùng (Predictions).</a:t>
             </a:r>
-            <a:endParaRPr lang="en-US" sz="2720">
-              <a:solidFill>
-                <a:srgbClr val="000000"/>
-              </a:solidFill>
-              <a:latin typeface="Quicksand"/>
-              <a:ea typeface="Quicksand"/>
-              <a:cs typeface="Quicksand"/>
-              <a:sym typeface="Quicksand"/>
-            </a:endParaRPr>
-          </a:p>
-          <a:p>
-            <a:pPr marL="587375" lvl="1" indent="-293370" algn="l">
+          </a:p>
+          <a:p>
+            <a:pPr marL="587249" lvl="1" indent="-293624" algn="l">
               <a:lnSpc>
                 <a:spcPts val="4080"/>
               </a:lnSpc>
-              <a:buFont typeface="Arial" panose="020B0604020202020204"/>
+              <a:buFont typeface="Arial"/>
               <a:buChar char="•"/>
             </a:pPr>
             <a:r>
@@ -3838,22 +3718,13 @@
               </a:rPr>
               <a:t>Ứng dụng:</a:t>
             </a:r>
-            <a:endParaRPr lang="en-US" sz="2720">
-              <a:solidFill>
-                <a:srgbClr val="000000"/>
-              </a:solidFill>
-              <a:latin typeface="Quicksand"/>
-              <a:ea typeface="Quicksand"/>
-              <a:cs typeface="Quicksand"/>
-              <a:sym typeface="Quicksand"/>
-            </a:endParaRPr>
-          </a:p>
-          <a:p>
-            <a:pPr marL="587375" lvl="1" indent="-293370" algn="l">
+          </a:p>
+          <a:p>
+            <a:pPr marL="587249" lvl="1" indent="-293624" algn="l">
               <a:lnSpc>
                 <a:spcPts val="4080"/>
               </a:lnSpc>
-              <a:buFont typeface="Arial" panose="020B0604020202020204"/>
+              <a:buFont typeface="Arial"/>
               <a:buChar char="•"/>
             </a:pPr>
             <a:r>
@@ -3868,15 +3739,6 @@
               </a:rPr>
               <a:t>Trong nhận diện khuôn mặt, đầu ra của lớp Logits sẽ được điều chỉnh (fine-tune) để phù hợp phân loại các cá nhân cụ thể dựa trên dữ liệu huấn luyện.</a:t>
             </a:r>
-            <a:endParaRPr lang="en-US" sz="2720">
-              <a:solidFill>
-                <a:srgbClr val="000000"/>
-              </a:solidFill>
-              <a:latin typeface="Quicksand"/>
-              <a:ea typeface="Quicksand"/>
-              <a:cs typeface="Quicksand"/>
-              <a:sym typeface="Quicksand"/>
-            </a:endParaRPr>
           </a:p>
           <a:p>
             <a:pPr algn="l">
@@ -3896,15 +3758,6 @@
               </a:rPr>
               <a:t>Sơ đồ này giúp hình dung rõ ràng kiến trúc sâu, phức tạp và khả năng trích xuất đặc trưng mạnh mẽ của InceptionV3, nền tảng cho các ứng dụng nhận diện khuôn mặt hiện đại.</a:t>
             </a:r>
-            <a:endParaRPr lang="en-US" sz="2720">
-              <a:solidFill>
-                <a:srgbClr val="000000"/>
-              </a:solidFill>
-              <a:latin typeface="Quicksand"/>
-              <a:ea typeface="Quicksand"/>
-              <a:cs typeface="Quicksand"/>
-              <a:sym typeface="Quicksand"/>
-            </a:endParaRPr>
           </a:p>
           <a:p>
             <a:pPr algn="l">
@@ -3972,11 +3825,11 @@
           <a:p>
             <a:pPr algn="l">
               <a:lnSpc>
-                <a:spcPts val="7000"/>
+                <a:spcPts val="6999"/>
               </a:lnSpc>
             </a:pPr>
             <a:r>
-              <a:rPr lang="en-US" sz="5000" b="1" dirty="0">
+              <a:rPr lang="en-US" sz="4999" b="1" dirty="0">
                 <a:solidFill>
                   <a:srgbClr val="00BF63"/>
                 </a:solidFill>
@@ -3988,7 +3841,7 @@
               <a:t>3. Demo </a:t>
             </a:r>
             <a:r>
-              <a:rPr lang="en-US" sz="5000" b="1" dirty="0" err="1">
+              <a:rPr lang="en-US" sz="4999" b="1" dirty="0" err="1">
                 <a:solidFill>
                   <a:srgbClr val="00BF63"/>
                 </a:solidFill>
@@ -4000,7 +3853,7 @@
               <a:t>chương</a:t>
             </a:r>
             <a:r>
-              <a:rPr lang="en-US" sz="5000" b="1" dirty="0">
+              <a:rPr lang="en-US" sz="4999" b="1" dirty="0">
                 <a:solidFill>
                   <a:srgbClr val="00BF63"/>
                 </a:solidFill>
@@ -4012,7 +3865,7 @@
               <a:t> </a:t>
             </a:r>
             <a:r>
-              <a:rPr lang="en-US" sz="5000" b="1" dirty="0" err="1">
+              <a:rPr lang="en-US" sz="4999" b="1" dirty="0" err="1">
                 <a:solidFill>
                   <a:srgbClr val="00BF63"/>
                 </a:solidFill>
@@ -4023,7 +3876,7 @@
               </a:rPr>
               <a:t>trình</a:t>
             </a:r>
-            <a:endParaRPr lang="en-US" sz="5000" b="1" dirty="0">
+            <a:endParaRPr lang="en-US" sz="4999" b="1" dirty="0">
               <a:solidFill>
                 <a:srgbClr val="00BF63"/>
               </a:solidFill>
@@ -4083,11 +3936,11 @@
           <a:p>
             <a:pPr algn="ctr">
               <a:lnSpc>
-                <a:spcPts val="7000"/>
+                <a:spcPts val="6999"/>
               </a:lnSpc>
             </a:pPr>
             <a:r>
-              <a:rPr lang="en-US" sz="5000" b="1" dirty="0">
+              <a:rPr lang="en-US" sz="4999" b="1" dirty="0">
                 <a:solidFill>
                   <a:srgbClr val="00BF63"/>
                 </a:solidFill>
@@ -4099,7 +3952,7 @@
               <a:t>4. </a:t>
             </a:r>
             <a:r>
-              <a:rPr lang="en-US" sz="5000" b="1" dirty="0" err="1">
+              <a:rPr lang="en-US" sz="4999" b="1" dirty="0" err="1">
                 <a:solidFill>
                   <a:srgbClr val="00BF63"/>
                 </a:solidFill>
@@ -4111,7 +3964,7 @@
               <a:t>Kết</a:t>
             </a:r>
             <a:r>
-              <a:rPr lang="en-US" sz="5000" b="1" dirty="0">
+              <a:rPr lang="en-US" sz="4999" b="1" dirty="0">
                 <a:solidFill>
                   <a:srgbClr val="00BF63"/>
                 </a:solidFill>
@@ -4123,7 +3976,7 @@
               <a:t> </a:t>
             </a:r>
             <a:r>
-              <a:rPr lang="en-US" sz="5000" b="1" dirty="0" err="1">
+              <a:rPr lang="en-US" sz="4999" b="1" dirty="0" err="1">
                 <a:solidFill>
                   <a:srgbClr val="00BF63"/>
                 </a:solidFill>
@@ -4134,7 +3987,7 @@
               </a:rPr>
               <a:t>luận</a:t>
             </a:r>
-            <a:endParaRPr lang="en-US" sz="5000" b="1" dirty="0">
+            <a:endParaRPr lang="en-US" sz="4999" b="1" dirty="0">
               <a:solidFill>
                 <a:srgbClr val="00BF63"/>
               </a:solidFill>
@@ -4194,11 +4047,11 @@
           <a:p>
             <a:pPr algn="l">
               <a:lnSpc>
-                <a:spcPts val="7000"/>
+                <a:spcPts val="6999"/>
               </a:lnSpc>
             </a:pPr>
             <a:r>
-              <a:rPr lang="en-US" sz="5000" b="1">
+              <a:rPr lang="en-US" sz="4999" b="1">
                 <a:solidFill>
                   <a:srgbClr val="00BF63"/>
                 </a:solidFill>
@@ -4209,15 +4062,6 @@
               </a:rPr>
               <a:t>4. Kết luận</a:t>
             </a:r>
-            <a:endParaRPr lang="en-US" sz="5000" b="1">
-              <a:solidFill>
-                <a:srgbClr val="00BF63"/>
-              </a:solidFill>
-              <a:latin typeface="Quicksand Bold"/>
-              <a:ea typeface="Quicksand Bold"/>
-              <a:cs typeface="Quicksand Bold"/>
-              <a:sym typeface="Quicksand Bold"/>
-            </a:endParaRPr>
           </a:p>
         </p:txBody>
       </p:sp>
@@ -4242,11 +4086,11 @@
           </a:bodyPr>
           <a:lstStyle/>
           <a:p>
-            <a:pPr marL="587375" lvl="1" indent="-293370" algn="l">
+            <a:pPr marL="587249" lvl="1" indent="-293624" algn="l">
               <a:lnSpc>
                 <a:spcPts val="4080"/>
               </a:lnSpc>
-              <a:buFont typeface="Arial" panose="020B0604020202020204"/>
+              <a:buFont typeface="Arial"/>
               <a:buChar char="•"/>
             </a:pPr>
             <a:r>
@@ -4261,15 +4105,6 @@
               </a:rPr>
               <a:t>Việc tinh chỉnh mô hình CNN Inception V3 đã được huấn luyện trước giúp tiết kiệm thời gian và tài nguyên so với xây dựng mô hình mới từ đầu.</a:t>
             </a:r>
-            <a:endParaRPr lang="en-US" sz="2720">
-              <a:solidFill>
-                <a:srgbClr val="000000"/>
-              </a:solidFill>
-              <a:latin typeface="Quicksand"/>
-              <a:ea typeface="Quicksand"/>
-              <a:cs typeface="Quicksand"/>
-              <a:sym typeface="Quicksand"/>
-            </a:endParaRPr>
           </a:p>
           <a:p>
             <a:pPr algn="l">
@@ -4288,11 +4123,11 @@
             </a:endParaRPr>
           </a:p>
           <a:p>
-            <a:pPr marL="587375" lvl="1" indent="-293370" algn="l">
+            <a:pPr marL="587249" lvl="1" indent="-293624" algn="l">
               <a:lnSpc>
                 <a:spcPts val="4080"/>
               </a:lnSpc>
-              <a:buFont typeface="Arial" panose="020B0604020202020204"/>
+              <a:buFont typeface="Arial"/>
               <a:buChar char="•"/>
             </a:pPr>
             <a:r>
@@ -4331,15 +4166,6 @@
               </a:rPr>
               <a:t>.</a:t>
             </a:r>
-            <a:endParaRPr lang="en-US" sz="2720">
-              <a:solidFill>
-                <a:srgbClr val="000000"/>
-              </a:solidFill>
-              <a:latin typeface="Quicksand"/>
-              <a:ea typeface="Quicksand"/>
-              <a:cs typeface="Quicksand"/>
-              <a:sym typeface="Quicksand"/>
-            </a:endParaRPr>
           </a:p>
           <a:p>
             <a:pPr algn="l">
@@ -4358,11 +4184,11 @@
             </a:endParaRPr>
           </a:p>
           <a:p>
-            <a:pPr marL="587375" lvl="1" indent="-293370" algn="l">
+            <a:pPr marL="587249" lvl="1" indent="-293624" algn="l">
               <a:lnSpc>
                 <a:spcPts val="4080"/>
               </a:lnSpc>
-              <a:buFont typeface="Arial" panose="020B0604020202020204"/>
+              <a:buFont typeface="Arial"/>
               <a:buChar char="•"/>
             </a:pPr>
             <a:r>
@@ -4377,15 +4203,6 @@
               </a:rPr>
               <a:t>Phương pháp này có thể áp dụng cho các bài toán nhận dạng khuôn mặt với tập dữ liệu hạn chế và tài nguyên tính toán vừa phải.</a:t>
             </a:r>
-            <a:endParaRPr lang="en-US" sz="2720">
-              <a:solidFill>
-                <a:srgbClr val="000000"/>
-              </a:solidFill>
-              <a:latin typeface="Quicksand"/>
-              <a:ea typeface="Quicksand"/>
-              <a:cs typeface="Quicksand"/>
-              <a:sym typeface="Quicksand"/>
-            </a:endParaRPr>
           </a:p>
           <a:p>
             <a:pPr algn="l">
@@ -4453,11 +4270,11 @@
           <a:p>
             <a:pPr algn="ctr">
               <a:lnSpc>
-                <a:spcPts val="7000"/>
+                <a:spcPts val="6999"/>
               </a:lnSpc>
             </a:pPr>
             <a:r>
-              <a:rPr lang="en-US" sz="5000" b="1" dirty="0">
+              <a:rPr lang="en-US" sz="4999" b="1" dirty="0">
                 <a:solidFill>
                   <a:srgbClr val="00BF63"/>
                 </a:solidFill>
@@ -4468,15 +4285,6 @@
               </a:rPr>
               <a:t>Thank You !</a:t>
             </a:r>
-            <a:endParaRPr lang="en-US" sz="5000" b="1" dirty="0">
-              <a:solidFill>
-                <a:srgbClr val="00BF63"/>
-              </a:solidFill>
-              <a:latin typeface="Quicksand Bold"/>
-              <a:ea typeface="Quicksand Bold"/>
-              <a:cs typeface="Quicksand Bold"/>
-              <a:sym typeface="Quicksand Bold"/>
-            </a:endParaRPr>
           </a:p>
         </p:txBody>
       </p:sp>
@@ -4519,7 +4327,7 @@
             </a:pathLst>
           </a:custGeom>
           <a:blipFill>
-            <a:blip r:embed="rId1"/>
+            <a:blip r:embed="rId2"/>
             <a:stretch>
               <a:fillRect/>
             </a:stretch>
@@ -4581,11 +4389,11 @@
           <a:p>
             <a:pPr algn="ctr">
               <a:lnSpc>
-                <a:spcPts val="7000"/>
+                <a:spcPts val="6999"/>
               </a:lnSpc>
             </a:pPr>
             <a:r>
-              <a:rPr lang="en-US" sz="5000" b="1" dirty="0" err="1">
+              <a:rPr lang="en-US" sz="4999" b="1" dirty="0" err="1">
                 <a:solidFill>
                   <a:srgbClr val="51DB5B"/>
                 </a:solidFill>
@@ -4597,7 +4405,7 @@
               <a:t>Mục</a:t>
             </a:r>
             <a:r>
-              <a:rPr lang="en-US" sz="5000" b="1" dirty="0">
+              <a:rPr lang="en-US" sz="4999" b="1" dirty="0">
                 <a:solidFill>
                   <a:srgbClr val="51DB5B"/>
                 </a:solidFill>
@@ -4609,7 +4417,7 @@
               <a:t> </a:t>
             </a:r>
             <a:r>
-              <a:rPr lang="en-US" sz="5000" b="1" dirty="0" err="1">
+              <a:rPr lang="en-US" sz="4999" b="1" dirty="0" err="1">
                 <a:solidFill>
                   <a:srgbClr val="51DB5B"/>
                 </a:solidFill>
@@ -4620,7 +4428,7 @@
               </a:rPr>
               <a:t>lục</a:t>
             </a:r>
-            <a:endParaRPr lang="en-US" sz="5000" b="1" dirty="0">
+            <a:endParaRPr lang="en-US" sz="4999" b="1" dirty="0">
               <a:solidFill>
                 <a:srgbClr val="51DB5B"/>
               </a:solidFill>
@@ -4633,13 +4441,13 @@
           <a:p>
             <a:pPr algn="ctr">
               <a:lnSpc>
-                <a:spcPts val="7000"/>
+                <a:spcPts val="6999"/>
               </a:lnSpc>
               <a:spcBef>
                 <a:spcPct val="0"/>
               </a:spcBef>
             </a:pPr>
-            <a:endParaRPr lang="en-US" sz="5000" b="1" dirty="0">
+            <a:endParaRPr lang="en-US" sz="4999" b="1" dirty="0">
               <a:solidFill>
                 <a:srgbClr val="51DB5B"/>
               </a:solidFill>
@@ -4674,11 +4482,11 @@
           <a:p>
             <a:pPr algn="l">
               <a:lnSpc>
-                <a:spcPts val="7000"/>
+                <a:spcPts val="6999"/>
               </a:lnSpc>
             </a:pPr>
             <a:r>
-              <a:rPr lang="en-US" sz="5000" b="1" dirty="0">
+              <a:rPr lang="en-US" sz="4999" b="1" dirty="0">
                 <a:solidFill>
                   <a:srgbClr val="00BF63"/>
                 </a:solidFill>
@@ -4689,15 +4497,6 @@
               </a:rPr>
               <a:t> 1. Motivation</a:t>
             </a:r>
-            <a:endParaRPr lang="en-US" sz="5000" b="1" dirty="0">
-              <a:solidFill>
-                <a:srgbClr val="00BF63"/>
-              </a:solidFill>
-              <a:latin typeface="Quicksand Bold"/>
-              <a:ea typeface="Quicksand Bold"/>
-              <a:cs typeface="Quicksand Bold"/>
-              <a:sym typeface="Quicksand Bold"/>
-            </a:endParaRPr>
           </a:p>
         </p:txBody>
       </p:sp>
@@ -4724,14 +4523,14 @@
           <a:p>
             <a:pPr algn="l">
               <a:lnSpc>
-                <a:spcPts val="7000"/>
+                <a:spcPts val="6999"/>
               </a:lnSpc>
               <a:spcBef>
                 <a:spcPct val="0"/>
               </a:spcBef>
             </a:pPr>
             <a:r>
-              <a:rPr lang="en-US" sz="5000" b="1" dirty="0">
+              <a:rPr lang="en-US" sz="4999" b="1" dirty="0">
                 <a:solidFill>
                   <a:srgbClr val="00BF63"/>
                 </a:solidFill>
@@ -4743,7 +4542,7 @@
               <a:t>2. Phương </a:t>
             </a:r>
             <a:r>
-              <a:rPr lang="en-US" sz="5000" b="1" dirty="0" err="1">
+              <a:rPr lang="en-US" sz="4999" b="1" dirty="0" err="1">
                 <a:solidFill>
                   <a:srgbClr val="00BF63"/>
                 </a:solidFill>
@@ -4755,7 +4554,7 @@
               <a:t>pháp</a:t>
             </a:r>
             <a:r>
-              <a:rPr lang="en-US" sz="5000" b="1" dirty="0">
+              <a:rPr lang="en-US" sz="4999" b="1" dirty="0">
                 <a:solidFill>
                   <a:srgbClr val="00BF63"/>
                 </a:solidFill>
@@ -4767,7 +4566,7 @@
               <a:t> </a:t>
             </a:r>
             <a:r>
-              <a:rPr lang="en-US" sz="5000" b="1" dirty="0" err="1">
+              <a:rPr lang="en-US" sz="4999" b="1" dirty="0" err="1">
                 <a:solidFill>
                   <a:srgbClr val="00BF63"/>
                 </a:solidFill>
@@ -4779,7 +4578,7 @@
               <a:t>đề</a:t>
             </a:r>
             <a:r>
-              <a:rPr lang="en-US" sz="5000" b="1" dirty="0">
+              <a:rPr lang="en-US" sz="4999" b="1" dirty="0">
                 <a:solidFill>
                   <a:srgbClr val="00BF63"/>
                 </a:solidFill>
@@ -4791,7 +4590,7 @@
               <a:t> </a:t>
             </a:r>
             <a:r>
-              <a:rPr lang="en-US" sz="5000" b="1" dirty="0" err="1">
+              <a:rPr lang="en-US" sz="4999" b="1" dirty="0" err="1">
                 <a:solidFill>
                   <a:srgbClr val="00BF63"/>
                 </a:solidFill>
@@ -4802,7 +4601,7 @@
               </a:rPr>
               <a:t>xuất</a:t>
             </a:r>
-            <a:endParaRPr lang="en-US" sz="5000" b="1" dirty="0">
+            <a:endParaRPr lang="en-US" sz="4999" b="1" dirty="0">
               <a:solidFill>
                 <a:srgbClr val="00BF63"/>
               </a:solidFill>
@@ -4823,7 +4622,7 @@
         <p:spPr>
           <a:xfrm>
             <a:off x="652084" y="5286026"/>
-            <a:ext cx="7820525" cy="897255"/>
+            <a:ext cx="7820525" cy="854076"/>
           </a:xfrm>
           <a:prstGeom prst="rect">
             <a:avLst/>
@@ -4837,26 +4636,26 @@
           <a:p>
             <a:pPr algn="ctr">
               <a:lnSpc>
-                <a:spcPts val="7000"/>
+                <a:spcPts val="6999"/>
               </a:lnSpc>
               <a:spcBef>
                 <a:spcPct val="0"/>
               </a:spcBef>
             </a:pPr>
             <a:r>
-              <a:rPr lang="en-US" sz="5000" b="1" dirty="0">
-                <a:solidFill>
-                  <a:srgbClr val="00BF63"/>
-                </a:solidFill>
-                <a:latin typeface="Quicksand Bold"/>
-                <a:ea typeface="Quicksand Bold"/>
-                <a:cs typeface="Quicksand Bold"/>
-                <a:sym typeface="Quicksand Bold"/>
-              </a:rPr>
-              <a:t>3. Demo </a:t>
-            </a:r>
-            <a:r>
-              <a:rPr lang="en-US" sz="5000" b="1" dirty="0" err="1">
+              <a:rPr lang="en-US" sz="4999" b="1" dirty="0">
+                <a:solidFill>
+                  <a:srgbClr val="00BF63"/>
+                </a:solidFill>
+                <a:latin typeface="Quicksand Bold"/>
+                <a:ea typeface="Quicksand Bold"/>
+                <a:cs typeface="Quicksand Bold"/>
+                <a:sym typeface="Quicksand Bold"/>
+              </a:rPr>
+              <a:t>3. demo </a:t>
+            </a:r>
+            <a:r>
+              <a:rPr lang="en-US" sz="4999" b="1" dirty="0" err="1">
                 <a:solidFill>
                   <a:srgbClr val="00BF63"/>
                 </a:solidFill>
@@ -4868,7 +4667,7 @@
               <a:t>chương</a:t>
             </a:r>
             <a:r>
-              <a:rPr lang="en-US" sz="5000" b="1" dirty="0">
+              <a:rPr lang="en-US" sz="4999" b="1" dirty="0">
                 <a:solidFill>
                   <a:srgbClr val="00BF63"/>
                 </a:solidFill>
@@ -4880,7 +4679,7 @@
               <a:t> </a:t>
             </a:r>
             <a:r>
-              <a:rPr lang="en-US" sz="5000" b="1" dirty="0" err="1">
+              <a:rPr lang="en-US" sz="4999" b="1" dirty="0" err="1">
                 <a:solidFill>
                   <a:srgbClr val="00BF63"/>
                 </a:solidFill>
@@ -4891,7 +4690,7 @@
               </a:rPr>
               <a:t>trình</a:t>
             </a:r>
-            <a:endParaRPr lang="en-US" sz="5000" b="1" dirty="0">
+            <a:endParaRPr lang="en-US" sz="4999" b="1" dirty="0">
               <a:solidFill>
                 <a:srgbClr val="00BF63"/>
               </a:solidFill>
@@ -4926,14 +4725,14 @@
           <a:p>
             <a:pPr algn="ctr">
               <a:lnSpc>
-                <a:spcPts val="7000"/>
+                <a:spcPts val="6999"/>
               </a:lnSpc>
               <a:spcBef>
                 <a:spcPct val="0"/>
               </a:spcBef>
             </a:pPr>
             <a:r>
-              <a:rPr lang="en-US" sz="5000" b="1" dirty="0">
+              <a:rPr lang="en-US" sz="4999" b="1" dirty="0">
                 <a:solidFill>
                   <a:srgbClr val="00BF63"/>
                 </a:solidFill>
@@ -4945,7 +4744,7 @@
               <a:t>4. </a:t>
             </a:r>
             <a:r>
-              <a:rPr lang="en-US" sz="5000" b="1" dirty="0" err="1">
+              <a:rPr lang="en-US" sz="4999" b="1" dirty="0" err="1">
                 <a:solidFill>
                   <a:srgbClr val="00BF63"/>
                 </a:solidFill>
@@ -4957,7 +4756,7 @@
               <a:t>Kết</a:t>
             </a:r>
             <a:r>
-              <a:rPr lang="en-US" sz="5000" b="1" dirty="0">
+              <a:rPr lang="en-US" sz="4999" b="1" dirty="0">
                 <a:solidFill>
                   <a:srgbClr val="00BF63"/>
                 </a:solidFill>
@@ -4969,7 +4768,7 @@
               <a:t> </a:t>
             </a:r>
             <a:r>
-              <a:rPr lang="en-US" sz="5000" b="1" dirty="0" err="1">
+              <a:rPr lang="en-US" sz="4999" b="1" dirty="0" err="1">
                 <a:solidFill>
                   <a:srgbClr val="00BF63"/>
                 </a:solidFill>
@@ -4980,7 +4779,7 @@
               </a:rPr>
               <a:t>luận</a:t>
             </a:r>
-            <a:endParaRPr lang="en-US" sz="5000" b="1" dirty="0">
+            <a:endParaRPr lang="en-US" sz="4999" b="1" dirty="0">
               <a:solidFill>
                 <a:srgbClr val="00BF63"/>
               </a:solidFill>
@@ -5040,11 +4839,11 @@
           <a:p>
             <a:pPr algn="ctr">
               <a:lnSpc>
-                <a:spcPts val="7000"/>
+                <a:spcPts val="6999"/>
               </a:lnSpc>
             </a:pPr>
             <a:r>
-              <a:rPr lang="en-US" sz="5000" b="1" dirty="0">
+              <a:rPr lang="en-US" sz="4999" b="1" dirty="0">
                 <a:solidFill>
                   <a:srgbClr val="00BF63"/>
                 </a:solidFill>
@@ -5056,7 +4855,7 @@
               <a:t>1. Motivation (</a:t>
             </a:r>
             <a:r>
-              <a:rPr lang="en-US" sz="5000" b="1" dirty="0" err="1">
+              <a:rPr lang="en-US" sz="4999" b="1" dirty="0" err="1">
                 <a:solidFill>
                   <a:srgbClr val="00BF63"/>
                 </a:solidFill>
@@ -5068,7 +4867,7 @@
               <a:t>động</a:t>
             </a:r>
             <a:r>
-              <a:rPr lang="en-US" sz="5000" b="1" dirty="0">
+              <a:rPr lang="en-US" sz="4999" b="1" dirty="0">
                 <a:solidFill>
                   <a:srgbClr val="00BF63"/>
                 </a:solidFill>
@@ -5080,7 +4879,7 @@
               <a:t> </a:t>
             </a:r>
             <a:r>
-              <a:rPr lang="en-US" sz="5000" b="1" dirty="0" err="1">
+              <a:rPr lang="en-US" sz="4999" b="1" dirty="0" err="1">
                 <a:solidFill>
                   <a:srgbClr val="00BF63"/>
                 </a:solidFill>
@@ -5092,7 +4891,7 @@
               <a:t>cơ</a:t>
             </a:r>
             <a:r>
-              <a:rPr lang="en-US" sz="5000" b="1" dirty="0">
+              <a:rPr lang="en-US" sz="4999" b="1" dirty="0">
                 <a:solidFill>
                   <a:srgbClr val="00BF63"/>
                 </a:solidFill>
@@ -5104,7 +4903,7 @@
               <a:t> </a:t>
             </a:r>
             <a:r>
-              <a:rPr lang="en-US" sz="5000" b="1" dirty="0" err="1">
+              <a:rPr lang="en-US" sz="4999" b="1" dirty="0" err="1">
                 <a:solidFill>
                   <a:srgbClr val="00BF63"/>
                 </a:solidFill>
@@ -5116,7 +4915,7 @@
               <a:t>nghiên</a:t>
             </a:r>
             <a:r>
-              <a:rPr lang="en-US" sz="5000" b="1" dirty="0">
+              <a:rPr lang="en-US" sz="4999" b="1" dirty="0">
                 <a:solidFill>
                   <a:srgbClr val="00BF63"/>
                 </a:solidFill>
@@ -5128,7 +4927,7 @@
               <a:t> </a:t>
             </a:r>
             <a:r>
-              <a:rPr lang="en-US" sz="5000" b="1" dirty="0" err="1">
+              <a:rPr lang="en-US" sz="4999" b="1" dirty="0" err="1">
                 <a:solidFill>
                   <a:srgbClr val="00BF63"/>
                 </a:solidFill>
@@ -5140,7 +4939,7 @@
               <a:t>cứu</a:t>
             </a:r>
             <a:r>
-              <a:rPr lang="en-US" sz="5000" b="1" dirty="0">
+              <a:rPr lang="en-US" sz="4999" b="1" dirty="0">
                 <a:solidFill>
                   <a:srgbClr val="00BF63"/>
                 </a:solidFill>
@@ -5151,15 +4950,6 @@
               </a:rPr>
               <a:t>)</a:t>
             </a:r>
-            <a:endParaRPr lang="en-US" sz="5000" b="1" dirty="0">
-              <a:solidFill>
-                <a:srgbClr val="00BF63"/>
-              </a:solidFill>
-              <a:latin typeface="Quicksand Bold"/>
-              <a:ea typeface="Quicksand Bold"/>
-              <a:cs typeface="Quicksand Bold"/>
-              <a:sym typeface="Quicksand Bold"/>
-            </a:endParaRPr>
           </a:p>
         </p:txBody>
       </p:sp>
@@ -5227,7 +5017,7 @@
             </a:pathLst>
           </a:custGeom>
           <a:blipFill>
-            <a:blip r:embed="rId1"/>
+            <a:blip r:embed="rId2"/>
             <a:stretch>
               <a:fillRect/>
             </a:stretch>
@@ -5264,11 +5054,11 @@
           <a:p>
             <a:pPr algn="l">
               <a:lnSpc>
-                <a:spcPts val="7000"/>
+                <a:spcPts val="6999"/>
               </a:lnSpc>
             </a:pPr>
             <a:r>
-              <a:rPr lang="en-US" sz="5000" b="1" dirty="0">
+              <a:rPr lang="en-US" sz="4999" b="1" dirty="0">
                 <a:solidFill>
                   <a:srgbClr val="00BF63"/>
                 </a:solidFill>
@@ -5280,7 +5070,7 @@
               <a:t> 1. Motivation (</a:t>
             </a:r>
             <a:r>
-              <a:rPr lang="en-US" sz="5000" b="1" dirty="0" err="1">
+              <a:rPr lang="en-US" sz="4999" b="1" dirty="0" err="1">
                 <a:solidFill>
                   <a:srgbClr val="00BF63"/>
                 </a:solidFill>
@@ -5292,7 +5082,7 @@
               <a:t>Động</a:t>
             </a:r>
             <a:r>
-              <a:rPr lang="en-US" sz="5000" b="1" dirty="0">
+              <a:rPr lang="en-US" sz="4999" b="1" dirty="0">
                 <a:solidFill>
                   <a:srgbClr val="00BF63"/>
                 </a:solidFill>
@@ -5304,7 +5094,7 @@
               <a:t> </a:t>
             </a:r>
             <a:r>
-              <a:rPr lang="en-US" sz="5000" b="1" dirty="0" err="1">
+              <a:rPr lang="en-US" sz="4999" b="1" dirty="0" err="1">
                 <a:solidFill>
                   <a:srgbClr val="00BF63"/>
                 </a:solidFill>
@@ -5316,7 +5106,7 @@
               <a:t>cơ</a:t>
             </a:r>
             <a:r>
-              <a:rPr lang="en-US" sz="5000" b="1" dirty="0">
+              <a:rPr lang="en-US" sz="4999" b="1" dirty="0">
                 <a:solidFill>
                   <a:srgbClr val="00BF63"/>
                 </a:solidFill>
@@ -5328,7 +5118,7 @@
               <a:t> </a:t>
             </a:r>
             <a:r>
-              <a:rPr lang="en-US" sz="5000" b="1" dirty="0" err="1">
+              <a:rPr lang="en-US" sz="4999" b="1" dirty="0" err="1">
                 <a:solidFill>
                   <a:srgbClr val="00BF63"/>
                 </a:solidFill>
@@ -5340,7 +5130,7 @@
               <a:t>nghiên</a:t>
             </a:r>
             <a:r>
-              <a:rPr lang="en-US" sz="5000" b="1" dirty="0">
+              <a:rPr lang="en-US" sz="4999" b="1" dirty="0">
                 <a:solidFill>
                   <a:srgbClr val="00BF63"/>
                 </a:solidFill>
@@ -5352,7 +5142,7 @@
               <a:t> </a:t>
             </a:r>
             <a:r>
-              <a:rPr lang="en-US" sz="5000" b="1" dirty="0" err="1">
+              <a:rPr lang="en-US" sz="4999" b="1" dirty="0" err="1">
                 <a:solidFill>
                   <a:srgbClr val="00BF63"/>
                 </a:solidFill>
@@ -5364,7 +5154,7 @@
               <a:t>cứu</a:t>
             </a:r>
             <a:r>
-              <a:rPr lang="en-US" sz="5000" b="1" dirty="0">
+              <a:rPr lang="en-US" sz="4999" b="1" dirty="0">
                 <a:solidFill>
                   <a:srgbClr val="00BF63"/>
                 </a:solidFill>
@@ -5375,15 +5165,6 @@
               </a:rPr>
               <a:t>)</a:t>
             </a:r>
-            <a:endParaRPr lang="en-US" sz="5000" b="1" dirty="0">
-              <a:solidFill>
-                <a:srgbClr val="00BF63"/>
-              </a:solidFill>
-              <a:latin typeface="Quicksand Bold"/>
-              <a:ea typeface="Quicksand Bold"/>
-              <a:cs typeface="Quicksand Bold"/>
-              <a:sym typeface="Quicksand Bold"/>
-            </a:endParaRPr>
           </a:p>
         </p:txBody>
       </p:sp>
@@ -5410,11 +5191,11 @@
           <a:p>
             <a:pPr algn="l">
               <a:lnSpc>
-                <a:spcPts val="6160"/>
+                <a:spcPts val="6159"/>
               </a:lnSpc>
             </a:pPr>
             <a:r>
-              <a:rPr lang="en-US" sz="4400" b="1">
+              <a:rPr lang="en-US" sz="4399" b="1">
                 <a:solidFill>
                   <a:srgbClr val="00BF63"/>
                 </a:solidFill>
@@ -5425,15 +5206,6 @@
               </a:rPr>
               <a:t> 1.1 Bối cảnh</a:t>
             </a:r>
-            <a:endParaRPr lang="en-US" sz="4400" b="1">
-              <a:solidFill>
-                <a:srgbClr val="00BF63"/>
-              </a:solidFill>
-              <a:latin typeface="Quicksand Bold"/>
-              <a:ea typeface="Quicksand Bold"/>
-              <a:cs typeface="Quicksand Bold"/>
-              <a:sym typeface="Quicksand Bold"/>
-            </a:endParaRPr>
           </a:p>
         </p:txBody>
       </p:sp>
@@ -5458,15 +5230,15 @@
           </a:bodyPr>
           <a:lstStyle/>
           <a:p>
-            <a:pPr marL="588010" lvl="1" indent="-294005" algn="l">
+            <a:pPr marL="588250" lvl="1" indent="-294125" algn="l">
               <a:lnSpc>
-                <a:spcPts val="4085"/>
+                <a:spcPts val="4086"/>
               </a:lnSpc>
-              <a:buFont typeface="Arial" panose="020B0604020202020204"/>
+              <a:buFont typeface="Arial"/>
               <a:buChar char="•"/>
             </a:pPr>
             <a:r>
-              <a:rPr lang="en-US" sz="2725">
+              <a:rPr lang="en-US" sz="2724">
                 <a:solidFill>
                   <a:srgbClr val="000000"/>
                 </a:solidFill>
@@ -5477,26 +5249,17 @@
               </a:rPr>
               <a:t>Nhận diện khuôn mặt là bài toán quan trọng trong lĩnh vực thị giác máy tính, có ứng dụng trong bảo mật, giám sát, và xác thực cá nhân.</a:t>
             </a:r>
-            <a:endParaRPr lang="en-US" sz="2725">
-              <a:solidFill>
-                <a:srgbClr val="000000"/>
-              </a:solidFill>
-              <a:latin typeface="Quicksand"/>
-              <a:ea typeface="Quicksand"/>
-              <a:cs typeface="Quicksand"/>
-              <a:sym typeface="Quicksand"/>
-            </a:endParaRPr>
-          </a:p>
-          <a:p>
-            <a:pPr marL="588010" lvl="1" indent="-294005" algn="l">
+          </a:p>
+          <a:p>
+            <a:pPr marL="588250" lvl="1" indent="-294125" algn="l">
               <a:lnSpc>
-                <a:spcPts val="4085"/>
+                <a:spcPts val="4086"/>
               </a:lnSpc>
-              <a:buFont typeface="Arial" panose="020B0604020202020204"/>
+              <a:buFont typeface="Arial"/>
               <a:buChar char="•"/>
             </a:pPr>
             <a:r>
-              <a:rPr lang="en-US" sz="2725">
+              <a:rPr lang="en-US" sz="2724">
                 <a:solidFill>
                   <a:srgbClr val="000000"/>
                 </a:solidFill>
@@ -5507,15 +5270,6 @@
               </a:rPr>
               <a:t>Mô hình CNN Inception V3 của Google đã đạt hiệu quả cao trong nhận dạng hình ảnh tổng quát, tuy nhiên chưa được tối ưu cho nhận diện khuôn mặt cụ thể.</a:t>
             </a:r>
-            <a:endParaRPr lang="en-US" sz="2725">
-              <a:solidFill>
-                <a:srgbClr val="000000"/>
-              </a:solidFill>
-              <a:latin typeface="Quicksand"/>
-              <a:ea typeface="Quicksand"/>
-              <a:cs typeface="Quicksand"/>
-              <a:sym typeface="Quicksand"/>
-            </a:endParaRPr>
           </a:p>
         </p:txBody>
       </p:sp>
@@ -5542,7 +5296,7 @@
           <a:p>
             <a:pPr algn="ctr">
               <a:lnSpc>
-                <a:spcPts val="3810"/>
+                <a:spcPts val="3808"/>
               </a:lnSpc>
               <a:spcBef>
                 <a:spcPct val="0"/>
@@ -5560,15 +5314,6 @@
               </a:rPr>
               <a:t>Sơ đồ Inception V3 </a:t>
             </a:r>
-            <a:endParaRPr lang="en-US" sz="2720">
-              <a:solidFill>
-                <a:srgbClr val="000000"/>
-              </a:solidFill>
-              <a:latin typeface="Quicksand"/>
-              <a:ea typeface="Quicksand"/>
-              <a:cs typeface="Quicksand"/>
-              <a:sym typeface="Quicksand"/>
-            </a:endParaRPr>
           </a:p>
         </p:txBody>
       </p:sp>
@@ -5636,7 +5381,7 @@
             </a:pathLst>
           </a:custGeom>
           <a:blipFill>
-            <a:blip r:embed="rId1"/>
+            <a:blip r:embed="rId2"/>
             <a:stretch>
               <a:fillRect/>
             </a:stretch>
@@ -5673,11 +5418,11 @@
           <a:p>
             <a:pPr algn="l">
               <a:lnSpc>
-                <a:spcPts val="7000"/>
+                <a:spcPts val="6999"/>
               </a:lnSpc>
             </a:pPr>
             <a:r>
-              <a:rPr lang="en-US" sz="5000" b="1" dirty="0">
+              <a:rPr lang="en-US" sz="4999" b="1" dirty="0">
                 <a:solidFill>
                   <a:srgbClr val="00BF63"/>
                 </a:solidFill>
@@ -5689,7 +5434,7 @@
               <a:t> 1. Motivation (</a:t>
             </a:r>
             <a:r>
-              <a:rPr lang="en-US" sz="5000" b="1" dirty="0" err="1">
+              <a:rPr lang="en-US" sz="4999" b="1" dirty="0" err="1">
                 <a:solidFill>
                   <a:srgbClr val="00BF63"/>
                 </a:solidFill>
@@ -5701,7 +5446,7 @@
               <a:t>Động</a:t>
             </a:r>
             <a:r>
-              <a:rPr lang="en-US" sz="5000" b="1" dirty="0">
+              <a:rPr lang="en-US" sz="4999" b="1" dirty="0">
                 <a:solidFill>
                   <a:srgbClr val="00BF63"/>
                 </a:solidFill>
@@ -5713,7 +5458,7 @@
               <a:t> </a:t>
             </a:r>
             <a:r>
-              <a:rPr lang="en-US" sz="5000" b="1" dirty="0" err="1">
+              <a:rPr lang="en-US" sz="4999" b="1" dirty="0" err="1">
                 <a:solidFill>
                   <a:srgbClr val="00BF63"/>
                 </a:solidFill>
@@ -5725,7 +5470,7 @@
               <a:t>cơ</a:t>
             </a:r>
             <a:r>
-              <a:rPr lang="en-US" sz="5000" b="1" dirty="0">
+              <a:rPr lang="en-US" sz="4999" b="1" dirty="0">
                 <a:solidFill>
                   <a:srgbClr val="00BF63"/>
                 </a:solidFill>
@@ -5737,7 +5482,7 @@
               <a:t> </a:t>
             </a:r>
             <a:r>
-              <a:rPr lang="en-US" sz="5000" b="1" dirty="0" err="1">
+              <a:rPr lang="en-US" sz="4999" b="1" dirty="0" err="1">
                 <a:solidFill>
                   <a:srgbClr val="00BF63"/>
                 </a:solidFill>
@@ -5749,7 +5494,7 @@
               <a:t>nghiên</a:t>
             </a:r>
             <a:r>
-              <a:rPr lang="en-US" sz="5000" b="1" dirty="0">
+              <a:rPr lang="en-US" sz="4999" b="1" dirty="0">
                 <a:solidFill>
                   <a:srgbClr val="00BF63"/>
                 </a:solidFill>
@@ -5761,7 +5506,7 @@
               <a:t> </a:t>
             </a:r>
             <a:r>
-              <a:rPr lang="en-US" sz="5000" b="1" dirty="0" err="1">
+              <a:rPr lang="en-US" sz="4999" b="1" dirty="0" err="1">
                 <a:solidFill>
                   <a:srgbClr val="00BF63"/>
                 </a:solidFill>
@@ -5773,7 +5518,7 @@
               <a:t>cứu</a:t>
             </a:r>
             <a:r>
-              <a:rPr lang="en-US" sz="5000" b="1" dirty="0">
+              <a:rPr lang="en-US" sz="4999" b="1" dirty="0">
                 <a:solidFill>
                   <a:srgbClr val="00BF63"/>
                 </a:solidFill>
@@ -5784,15 +5529,6 @@
               </a:rPr>
               <a:t>)</a:t>
             </a:r>
-            <a:endParaRPr lang="en-US" sz="5000" b="1" dirty="0">
-              <a:solidFill>
-                <a:srgbClr val="00BF63"/>
-              </a:solidFill>
-              <a:latin typeface="Quicksand Bold"/>
-              <a:ea typeface="Quicksand Bold"/>
-              <a:cs typeface="Quicksand Bold"/>
-              <a:sym typeface="Quicksand Bold"/>
-            </a:endParaRPr>
           </a:p>
         </p:txBody>
       </p:sp>
@@ -5819,11 +5555,11 @@
           <a:p>
             <a:pPr algn="l">
               <a:lnSpc>
-                <a:spcPts val="6160"/>
+                <a:spcPts val="6159"/>
               </a:lnSpc>
             </a:pPr>
             <a:r>
-              <a:rPr lang="en-US" sz="4400" b="1" dirty="0">
+              <a:rPr lang="en-US" sz="4399" b="1" dirty="0">
                 <a:solidFill>
                   <a:srgbClr val="00BF63"/>
                 </a:solidFill>
@@ -5835,7 +5571,7 @@
               <a:t> 1.2 </a:t>
             </a:r>
             <a:r>
-              <a:rPr lang="en-US" sz="4400" b="1" dirty="0" err="1">
+              <a:rPr lang="en-US" sz="4399" b="1" dirty="0" err="1">
                 <a:solidFill>
                   <a:srgbClr val="00BF63"/>
                 </a:solidFill>
@@ -5847,7 +5583,7 @@
               <a:t>Vấn</a:t>
             </a:r>
             <a:r>
-              <a:rPr lang="en-US" sz="4400" b="1" dirty="0">
+              <a:rPr lang="en-US" sz="4399" b="1" dirty="0">
                 <a:solidFill>
                   <a:srgbClr val="00BF63"/>
                 </a:solidFill>
@@ -5859,7 +5595,7 @@
               <a:t> </a:t>
             </a:r>
             <a:r>
-              <a:rPr lang="en-US" sz="4400" b="1" dirty="0" err="1">
+              <a:rPr lang="en-US" sz="4399" b="1" dirty="0" err="1">
                 <a:solidFill>
                   <a:srgbClr val="00BF63"/>
                 </a:solidFill>
@@ -5870,7 +5606,7 @@
               </a:rPr>
               <a:t>đề</a:t>
             </a:r>
-            <a:endParaRPr lang="en-US" sz="4400" b="1" dirty="0">
+            <a:endParaRPr lang="en-US" sz="4399" b="1" dirty="0">
               <a:solidFill>
                 <a:srgbClr val="00BF63"/>
               </a:solidFill>
@@ -5903,11 +5639,11 @@
           </a:bodyPr>
           <a:lstStyle/>
           <a:p>
-            <a:pPr marL="587375" lvl="1" indent="-293370" algn="l">
+            <a:pPr marL="587249" lvl="1" indent="-293624" algn="l">
               <a:lnSpc>
                 <a:spcPts val="4080"/>
               </a:lnSpc>
-              <a:buFont typeface="Arial" panose="020B0604020202020204"/>
+              <a:buFont typeface="Arial"/>
               <a:buChar char="•"/>
             </a:pPr>
             <a:r>
@@ -5922,22 +5658,13 @@
               </a:rPr>
               <a:t>Input: Tập ảnh khuôn mặt của nhiều cá nhân, trong đó mỗi ảnh có các biến thiên về góc chụp, ánh sáng, biểu cảm, và phông nền.</a:t>
             </a:r>
-            <a:endParaRPr lang="en-US" sz="2720">
-              <a:solidFill>
-                <a:srgbClr val="000000"/>
-              </a:solidFill>
-              <a:latin typeface="Quicksand"/>
-              <a:ea typeface="Quicksand"/>
-              <a:cs typeface="Quicksand"/>
-              <a:sym typeface="Quicksand"/>
-            </a:endParaRPr>
-          </a:p>
-          <a:p>
-            <a:pPr marL="587375" lvl="1" indent="-293370" algn="l">
+          </a:p>
+          <a:p>
+            <a:pPr marL="587249" lvl="1" indent="-293624" algn="l">
               <a:lnSpc>
                 <a:spcPts val="4080"/>
               </a:lnSpc>
-              <a:buFont typeface="Arial" panose="020B0604020202020204"/>
+              <a:buFont typeface="Arial"/>
               <a:buChar char="•"/>
             </a:pPr>
             <a:r>
@@ -5952,15 +5679,6 @@
               </a:rPr>
               <a:t>Output: Nhãn (label) tương ứng với từng cá nhân trong tập dữ liệu, tức là mô hình cần phân loại chính xác từng ảnh thuộc về ai trong số 10 cá nhân nhiều nhất được chọn.</a:t>
             </a:r>
-            <a:endParaRPr lang="en-US" sz="2720">
-              <a:solidFill>
-                <a:srgbClr val="000000"/>
-              </a:solidFill>
-              <a:latin typeface="Quicksand"/>
-              <a:ea typeface="Quicksand"/>
-              <a:cs typeface="Quicksand"/>
-              <a:sym typeface="Quicksand"/>
-            </a:endParaRPr>
           </a:p>
         </p:txBody>
       </p:sp>
@@ -5987,7 +5705,7 @@
           <a:p>
             <a:pPr algn="ctr">
               <a:lnSpc>
-                <a:spcPts val="3810"/>
+                <a:spcPts val="3808"/>
               </a:lnSpc>
               <a:spcBef>
                 <a:spcPct val="0"/>
@@ -6005,15 +5723,6 @@
               </a:rPr>
               <a:t>Thư mục với 10 cá nhân có nhiều hình ảnh nhất</a:t>
             </a:r>
-            <a:endParaRPr lang="en-US" sz="2720">
-              <a:solidFill>
-                <a:srgbClr val="000000"/>
-              </a:solidFill>
-              <a:latin typeface="Quicksand"/>
-              <a:ea typeface="Quicksand"/>
-              <a:cs typeface="Quicksand"/>
-              <a:sym typeface="Quicksand"/>
-            </a:endParaRPr>
           </a:p>
         </p:txBody>
       </p:sp>
@@ -6081,7 +5790,7 @@
             </a:pathLst>
           </a:custGeom>
           <a:blipFill>
-            <a:blip r:embed="rId1"/>
+            <a:blip r:embed="rId2"/>
             <a:stretch>
               <a:fillRect/>
             </a:stretch>
@@ -6118,11 +5827,11 @@
           <a:p>
             <a:pPr algn="l">
               <a:lnSpc>
-                <a:spcPts val="7000"/>
+                <a:spcPts val="6999"/>
               </a:lnSpc>
             </a:pPr>
             <a:r>
-              <a:rPr lang="en-US" sz="5000" b="1" dirty="0">
+              <a:rPr lang="en-US" sz="4999" b="1" dirty="0">
                 <a:solidFill>
                   <a:srgbClr val="00BF63"/>
                 </a:solidFill>
@@ -6134,7 +5843,7 @@
               <a:t> 1. Motivation (</a:t>
             </a:r>
             <a:r>
-              <a:rPr lang="en-US" sz="5000" b="1" dirty="0" err="1">
+              <a:rPr lang="en-US" sz="4999" b="1" dirty="0" err="1">
                 <a:solidFill>
                   <a:srgbClr val="00BF63"/>
                 </a:solidFill>
@@ -6146,7 +5855,7 @@
               <a:t>Động</a:t>
             </a:r>
             <a:r>
-              <a:rPr lang="en-US" sz="5000" b="1" dirty="0">
+              <a:rPr lang="en-US" sz="4999" b="1" dirty="0">
                 <a:solidFill>
                   <a:srgbClr val="00BF63"/>
                 </a:solidFill>
@@ -6158,7 +5867,7 @@
               <a:t> </a:t>
             </a:r>
             <a:r>
-              <a:rPr lang="en-US" sz="5000" b="1" dirty="0" err="1">
+              <a:rPr lang="en-US" sz="4999" b="1" dirty="0" err="1">
                 <a:solidFill>
                   <a:srgbClr val="00BF63"/>
                 </a:solidFill>
@@ -6170,7 +5879,7 @@
               <a:t>cơ</a:t>
             </a:r>
             <a:r>
-              <a:rPr lang="en-US" sz="5000" b="1" dirty="0">
+              <a:rPr lang="en-US" sz="4999" b="1" dirty="0">
                 <a:solidFill>
                   <a:srgbClr val="00BF63"/>
                 </a:solidFill>
@@ -6182,7 +5891,7 @@
               <a:t> </a:t>
             </a:r>
             <a:r>
-              <a:rPr lang="en-US" sz="5000" b="1" dirty="0" err="1">
+              <a:rPr lang="en-US" sz="4999" b="1" dirty="0" err="1">
                 <a:solidFill>
                   <a:srgbClr val="00BF63"/>
                 </a:solidFill>
@@ -6194,7 +5903,7 @@
               <a:t>nghiên</a:t>
             </a:r>
             <a:r>
-              <a:rPr lang="en-US" sz="5000" b="1" dirty="0">
+              <a:rPr lang="en-US" sz="4999" b="1" dirty="0">
                 <a:solidFill>
                   <a:srgbClr val="00BF63"/>
                 </a:solidFill>
@@ -6206,7 +5915,7 @@
               <a:t> </a:t>
             </a:r>
             <a:r>
-              <a:rPr lang="en-US" sz="5000" b="1" dirty="0" err="1">
+              <a:rPr lang="en-US" sz="4999" b="1" dirty="0" err="1">
                 <a:solidFill>
                   <a:srgbClr val="00BF63"/>
                 </a:solidFill>
@@ -6218,7 +5927,7 @@
               <a:t>cứu</a:t>
             </a:r>
             <a:r>
-              <a:rPr lang="en-US" sz="5000" b="1" dirty="0">
+              <a:rPr lang="en-US" sz="4999" b="1" dirty="0">
                 <a:solidFill>
                   <a:srgbClr val="00BF63"/>
                 </a:solidFill>
@@ -6229,15 +5938,6 @@
               </a:rPr>
               <a:t>)</a:t>
             </a:r>
-            <a:endParaRPr lang="en-US" sz="5000" b="1" dirty="0">
-              <a:solidFill>
-                <a:srgbClr val="00BF63"/>
-              </a:solidFill>
-              <a:latin typeface="Quicksand Bold"/>
-              <a:ea typeface="Quicksand Bold"/>
-              <a:cs typeface="Quicksand Bold"/>
-              <a:sym typeface="Quicksand Bold"/>
-            </a:endParaRPr>
           </a:p>
         </p:txBody>
       </p:sp>
@@ -6264,11 +5964,11 @@
           <a:p>
             <a:pPr algn="l">
               <a:lnSpc>
-                <a:spcPts val="6160"/>
+                <a:spcPts val="6159"/>
               </a:lnSpc>
             </a:pPr>
             <a:r>
-              <a:rPr lang="en-US" sz="4400" b="1" dirty="0">
+              <a:rPr lang="en-US" sz="4399" b="1" dirty="0">
                 <a:solidFill>
                   <a:srgbClr val="00BF63"/>
                 </a:solidFill>
@@ -6280,7 +5980,7 @@
               <a:t> 1.3 </a:t>
             </a:r>
             <a:r>
-              <a:rPr lang="en-US" sz="4400" b="1" dirty="0" err="1">
+              <a:rPr lang="en-US" sz="4399" b="1" dirty="0" err="1">
                 <a:solidFill>
                   <a:srgbClr val="00BF63"/>
                 </a:solidFill>
@@ -6292,7 +5992,7 @@
               <a:t>Thách</a:t>
             </a:r>
             <a:r>
-              <a:rPr lang="en-US" sz="4400" b="1" dirty="0">
+              <a:rPr lang="en-US" sz="4399" b="1" dirty="0">
                 <a:solidFill>
                   <a:srgbClr val="00BF63"/>
                 </a:solidFill>
@@ -6304,7 +6004,7 @@
               <a:t> </a:t>
             </a:r>
             <a:r>
-              <a:rPr lang="en-US" sz="4400" b="1" dirty="0" err="1">
+              <a:rPr lang="en-US" sz="4399" b="1" dirty="0" err="1">
                 <a:solidFill>
                   <a:srgbClr val="00BF63"/>
                 </a:solidFill>
@@ -6315,7 +6015,7 @@
               </a:rPr>
               <a:t>thức</a:t>
             </a:r>
-            <a:endParaRPr lang="en-US" sz="4400" b="1" dirty="0">
+            <a:endParaRPr lang="en-US" sz="4399" b="1" dirty="0">
               <a:solidFill>
                 <a:srgbClr val="00BF63"/>
               </a:solidFill>
@@ -6348,11 +6048,11 @@
           </a:bodyPr>
           <a:lstStyle/>
           <a:p>
-            <a:pPr marL="587375" lvl="1" indent="-293370" algn="l">
+            <a:pPr marL="587249" lvl="1" indent="-293624" algn="l">
               <a:lnSpc>
                 <a:spcPts val="4080"/>
               </a:lnSpc>
-              <a:buFont typeface="Arial" panose="020B0604020202020204"/>
+              <a:buFont typeface="Arial"/>
               <a:buChar char="•"/>
             </a:pPr>
             <a:r>
@@ -6367,22 +6067,13 @@
               </a:rPr>
               <a:t>Đa dạng và biến thiên của dữ liệu ảnh khuôn mặt</a:t>
             </a:r>
-            <a:endParaRPr lang="en-US" sz="2720">
-              <a:solidFill>
-                <a:srgbClr val="000000"/>
-              </a:solidFill>
-              <a:latin typeface="Quicksand"/>
-              <a:ea typeface="Quicksand"/>
-              <a:cs typeface="Quicksand"/>
-              <a:sym typeface="Quicksand"/>
-            </a:endParaRPr>
-          </a:p>
-          <a:p>
-            <a:pPr marL="587375" lvl="1" indent="-293370" algn="l">
+          </a:p>
+          <a:p>
+            <a:pPr marL="587249" lvl="1" indent="-293624" algn="l">
               <a:lnSpc>
                 <a:spcPts val="4080"/>
               </a:lnSpc>
-              <a:buFont typeface="Arial" panose="020B0604020202020204"/>
+              <a:buFont typeface="Arial"/>
               <a:buChar char="•"/>
             </a:pPr>
             <a:r>
@@ -6397,22 +6088,13 @@
               </a:rPr>
               <a:t>Phát hiện khuôn mặt chính xác trong ảnh đa đối tượng</a:t>
             </a:r>
-            <a:endParaRPr lang="en-US" sz="2720">
-              <a:solidFill>
-                <a:srgbClr val="000000"/>
-              </a:solidFill>
-              <a:latin typeface="Quicksand"/>
-              <a:ea typeface="Quicksand"/>
-              <a:cs typeface="Quicksand"/>
-              <a:sym typeface="Quicksand"/>
-            </a:endParaRPr>
-          </a:p>
-          <a:p>
-            <a:pPr marL="587375" lvl="1" indent="-293370" algn="l">
+          </a:p>
+          <a:p>
+            <a:pPr marL="587249" lvl="1" indent="-293624" algn="l">
               <a:lnSpc>
                 <a:spcPts val="4080"/>
               </a:lnSpc>
-              <a:buFont typeface="Arial" panose="020B0604020202020204"/>
+              <a:buFont typeface="Arial"/>
               <a:buChar char="•"/>
             </a:pPr>
             <a:r>
@@ -6427,22 +6109,13 @@
               </a:rPr>
               <a:t>Phân biệt chính xác các cá nhân (face verification/recognition)</a:t>
             </a:r>
-            <a:endParaRPr lang="en-US" sz="2720">
-              <a:solidFill>
-                <a:srgbClr val="000000"/>
-              </a:solidFill>
-              <a:latin typeface="Quicksand"/>
-              <a:ea typeface="Quicksand"/>
-              <a:cs typeface="Quicksand"/>
-              <a:sym typeface="Quicksand"/>
-            </a:endParaRPr>
-          </a:p>
-          <a:p>
-            <a:pPr marL="587375" lvl="1" indent="-293370" algn="l">
+          </a:p>
+          <a:p>
+            <a:pPr marL="587249" lvl="1" indent="-293624" algn="l">
               <a:lnSpc>
                 <a:spcPts val="4080"/>
               </a:lnSpc>
-              <a:buFont typeface="Arial" panose="020B0604020202020204"/>
+              <a:buFont typeface="Arial"/>
               <a:buChar char="•"/>
             </a:pPr>
             <a:r>
@@ -6457,22 +6130,13 @@
               </a:rPr>
               <a:t>Chi phí tính toán và quá trình huấn luyện</a:t>
             </a:r>
-            <a:endParaRPr lang="en-US" sz="2720">
-              <a:solidFill>
-                <a:srgbClr val="000000"/>
-              </a:solidFill>
-              <a:latin typeface="Quicksand"/>
-              <a:ea typeface="Quicksand"/>
-              <a:cs typeface="Quicksand"/>
-              <a:sym typeface="Quicksand"/>
-            </a:endParaRPr>
-          </a:p>
-          <a:p>
-            <a:pPr marL="587375" lvl="1" indent="-293370" algn="l">
+          </a:p>
+          <a:p>
+            <a:pPr marL="587249" lvl="1" indent="-293624" algn="l">
               <a:lnSpc>
                 <a:spcPts val="4080"/>
               </a:lnSpc>
-              <a:buFont typeface="Arial" panose="020B0604020202020204"/>
+              <a:buFont typeface="Arial"/>
               <a:buChar char="•"/>
             </a:pPr>
             <a:r>
@@ -6487,15 +6151,6 @@
               </a:rPr>
               <a:t>Yêu cầu về độ chính xác và bảo mật cao</a:t>
             </a:r>
-            <a:endParaRPr lang="en-US" sz="2720">
-              <a:solidFill>
-                <a:srgbClr val="000000"/>
-              </a:solidFill>
-              <a:latin typeface="Quicksand"/>
-              <a:ea typeface="Quicksand"/>
-              <a:cs typeface="Quicksand"/>
-              <a:sym typeface="Quicksand"/>
-            </a:endParaRPr>
           </a:p>
         </p:txBody>
       </p:sp>
@@ -6522,7 +6177,7 @@
           <a:p>
             <a:pPr algn="ctr">
               <a:lnSpc>
-                <a:spcPts val="3810"/>
+                <a:spcPts val="3808"/>
               </a:lnSpc>
               <a:spcBef>
                 <a:spcPct val="0"/>
@@ -6540,15 +6195,6 @@
               </a:rPr>
               <a:t>So sánh độ chính xác và độ phức tạp của các kiến trúc CNN</a:t>
             </a:r>
-            <a:endParaRPr lang="en-US" sz="2720">
-              <a:solidFill>
-                <a:srgbClr val="000000"/>
-              </a:solidFill>
-              <a:latin typeface="Quicksand"/>
-              <a:ea typeface="Quicksand"/>
-              <a:cs typeface="Quicksand"/>
-              <a:sym typeface="Quicksand"/>
-            </a:endParaRPr>
           </a:p>
         </p:txBody>
       </p:sp>
@@ -6600,11 +6246,11 @@
           <a:p>
             <a:pPr algn="ctr">
               <a:lnSpc>
-                <a:spcPts val="7000"/>
+                <a:spcPts val="6999"/>
               </a:lnSpc>
             </a:pPr>
             <a:r>
-              <a:rPr lang="en-US" sz="5000" b="1" dirty="0">
+              <a:rPr lang="en-US" sz="4999" b="1" dirty="0">
                 <a:solidFill>
                   <a:srgbClr val="00BF63"/>
                 </a:solidFill>
@@ -6616,7 +6262,7 @@
               <a:t>2. Phương </a:t>
             </a:r>
             <a:r>
-              <a:rPr lang="en-US" sz="5000" b="1" dirty="0" err="1">
+              <a:rPr lang="en-US" sz="4999" b="1" dirty="0" err="1">
                 <a:solidFill>
                   <a:srgbClr val="00BF63"/>
                 </a:solidFill>
@@ -6628,7 +6274,7 @@
               <a:t>pháp</a:t>
             </a:r>
             <a:r>
-              <a:rPr lang="en-US" sz="5000" b="1" dirty="0">
+              <a:rPr lang="en-US" sz="4999" b="1" dirty="0">
                 <a:solidFill>
                   <a:srgbClr val="00BF63"/>
                 </a:solidFill>
@@ -6640,7 +6286,7 @@
               <a:t> </a:t>
             </a:r>
             <a:r>
-              <a:rPr lang="en-US" sz="5000" b="1" dirty="0" err="1">
+              <a:rPr lang="en-US" sz="4999" b="1" dirty="0" err="1">
                 <a:solidFill>
                   <a:srgbClr val="00BF63"/>
                 </a:solidFill>
@@ -6652,7 +6298,7 @@
               <a:t>đề</a:t>
             </a:r>
             <a:r>
-              <a:rPr lang="en-US" sz="5000" b="1" dirty="0">
+              <a:rPr lang="en-US" sz="4999" b="1" dirty="0">
                 <a:solidFill>
                   <a:srgbClr val="00BF63"/>
                 </a:solidFill>
@@ -6664,7 +6310,7 @@
               <a:t> </a:t>
             </a:r>
             <a:r>
-              <a:rPr lang="en-US" sz="5000" b="1" dirty="0" err="1">
+              <a:rPr lang="en-US" sz="4999" b="1" dirty="0" err="1">
                 <a:solidFill>
                   <a:srgbClr val="00BF63"/>
                 </a:solidFill>
@@ -6675,7 +6321,7 @@
               </a:rPr>
               <a:t>xuất</a:t>
             </a:r>
-            <a:endParaRPr lang="en-US" sz="5000" b="1" dirty="0">
+            <a:endParaRPr lang="en-US" sz="4999" b="1" dirty="0">
               <a:solidFill>
                 <a:srgbClr val="00BF63"/>
               </a:solidFill>
@@ -6751,7 +6397,7 @@
             </a:pathLst>
           </a:custGeom>
           <a:blipFill>
-            <a:blip r:embed="rId1"/>
+            <a:blip r:embed="rId2"/>
             <a:stretch>
               <a:fillRect/>
             </a:stretch>
@@ -6788,11 +6434,11 @@
           <a:p>
             <a:pPr algn="l">
               <a:lnSpc>
-                <a:spcPts val="7000"/>
+                <a:spcPts val="6999"/>
               </a:lnSpc>
             </a:pPr>
             <a:r>
-              <a:rPr lang="en-US" sz="5000" b="1" dirty="0">
+              <a:rPr lang="en-US" sz="4999" b="1" dirty="0">
                 <a:solidFill>
                   <a:srgbClr val="00BF63"/>
                 </a:solidFill>
@@ -6804,7 +6450,7 @@
               <a:t>2. Phương </a:t>
             </a:r>
             <a:r>
-              <a:rPr lang="en-US" sz="5000" b="1" dirty="0" err="1">
+              <a:rPr lang="en-US" sz="4999" b="1" dirty="0" err="1">
                 <a:solidFill>
                   <a:srgbClr val="00BF63"/>
                 </a:solidFill>
@@ -6816,7 +6462,7 @@
               <a:t>pháp</a:t>
             </a:r>
             <a:r>
-              <a:rPr lang="en-US" sz="5000" b="1" dirty="0">
+              <a:rPr lang="en-US" sz="4999" b="1" dirty="0">
                 <a:solidFill>
                   <a:srgbClr val="00BF63"/>
                 </a:solidFill>
@@ -6828,7 +6474,7 @@
               <a:t> </a:t>
             </a:r>
             <a:r>
-              <a:rPr lang="en-US" sz="5000" b="1" dirty="0" err="1">
+              <a:rPr lang="en-US" sz="4999" b="1" dirty="0" err="1">
                 <a:solidFill>
                   <a:srgbClr val="00BF63"/>
                 </a:solidFill>
@@ -6840,7 +6486,7 @@
               <a:t>đề</a:t>
             </a:r>
             <a:r>
-              <a:rPr lang="en-US" sz="5000" b="1" dirty="0">
+              <a:rPr lang="en-US" sz="4999" b="1" dirty="0">
                 <a:solidFill>
                   <a:srgbClr val="00BF63"/>
                 </a:solidFill>
@@ -6852,7 +6498,7 @@
               <a:t> </a:t>
             </a:r>
             <a:r>
-              <a:rPr lang="en-US" sz="5000" b="1" dirty="0" err="1">
+              <a:rPr lang="en-US" sz="4999" b="1" dirty="0" err="1">
                 <a:solidFill>
                   <a:srgbClr val="00BF63"/>
                 </a:solidFill>
@@ -6863,7 +6509,7 @@
               </a:rPr>
               <a:t>xuất</a:t>
             </a:r>
-            <a:endParaRPr lang="en-US" sz="5000" b="1" dirty="0">
+            <a:endParaRPr lang="en-US" sz="4999" b="1" dirty="0">
               <a:solidFill>
                 <a:srgbClr val="00BF63"/>
               </a:solidFill>
@@ -6898,11 +6544,11 @@
           <a:p>
             <a:pPr algn="l">
               <a:lnSpc>
-                <a:spcPts val="6160"/>
+                <a:spcPts val="6159"/>
               </a:lnSpc>
             </a:pPr>
             <a:r>
-              <a:rPr lang="en-US" sz="4400" b="1" dirty="0">
+              <a:rPr lang="en-US" sz="4399" b="1" dirty="0">
                 <a:solidFill>
                   <a:srgbClr val="00BF63"/>
                 </a:solidFill>
@@ -6914,7 +6560,7 @@
               <a:t>2.1 </a:t>
             </a:r>
             <a:r>
-              <a:rPr lang="en-US" sz="4400" b="1" dirty="0" err="1">
+              <a:rPr lang="en-US" sz="4399" b="1" dirty="0" err="1">
                 <a:solidFill>
                   <a:srgbClr val="00BF63"/>
                 </a:solidFill>
@@ -6926,7 +6572,7 @@
               <a:t>Tổng</a:t>
             </a:r>
             <a:r>
-              <a:rPr lang="en-US" sz="4400" b="1" dirty="0">
+              <a:rPr lang="en-US" sz="4399" b="1" dirty="0">
                 <a:solidFill>
                   <a:srgbClr val="00BF63"/>
                 </a:solidFill>
@@ -6938,7 +6584,7 @@
               <a:t> </a:t>
             </a:r>
             <a:r>
-              <a:rPr lang="en-US" sz="4400" b="1" dirty="0" err="1">
+              <a:rPr lang="en-US" sz="4399" b="1" dirty="0" err="1">
                 <a:solidFill>
                   <a:srgbClr val="00BF63"/>
                 </a:solidFill>
@@ -6949,7 +6595,7 @@
               </a:rPr>
               <a:t>quan</a:t>
             </a:r>
-            <a:endParaRPr lang="en-US" sz="4400" b="1" dirty="0">
+            <a:endParaRPr lang="en-US" sz="4399" b="1" dirty="0">
               <a:solidFill>
                 <a:srgbClr val="00BF63"/>
               </a:solidFill>
@@ -6982,11 +6628,11 @@
           </a:bodyPr>
           <a:lstStyle/>
           <a:p>
-            <a:pPr marL="587375" lvl="1" indent="-293370" algn="l">
+            <a:pPr marL="587249" lvl="1" indent="-293624" algn="l">
               <a:lnSpc>
                 <a:spcPts val="4080"/>
               </a:lnSpc>
-              <a:buFont typeface="Arial" panose="020B0604020202020204"/>
+              <a:buFont typeface="Arial"/>
               <a:buChar char="•"/>
             </a:pPr>
             <a:r>
@@ -7001,22 +6647,13 @@
               </a:rPr>
               <a:t>Sử dụng mô hình Inception V3 đã được huấn luyện trước trên ImageNet, chỉ huấn luyện lại (fine-tune) lớp cuối cùng để phân biệt 10 cá nhân khác nhau dựa trên ảnh khuôn mặt.</a:t>
             </a:r>
-            <a:endParaRPr lang="en-US" sz="2720">
-              <a:solidFill>
-                <a:srgbClr val="000000"/>
-              </a:solidFill>
-              <a:latin typeface="Quicksand"/>
-              <a:ea typeface="Quicksand"/>
-              <a:cs typeface="Quicksand"/>
-              <a:sym typeface="Quicksand"/>
-            </a:endParaRPr>
-          </a:p>
-          <a:p>
-            <a:pPr marL="587375" lvl="1" indent="-293370" algn="l">
+          </a:p>
+          <a:p>
+            <a:pPr marL="587249" lvl="1" indent="-293624" algn="l">
               <a:lnSpc>
                 <a:spcPts val="4080"/>
               </a:lnSpc>
-              <a:buFont typeface="Arial" panose="020B0604020202020204"/>
+              <a:buFont typeface="Arial"/>
               <a:buChar char="•"/>
             </a:pPr>
             <a:r>
@@ -7031,22 +6668,13 @@
               </a:rPr>
               <a:t>Giới hạn tập dữ liệu chỉ gồm 10 cá nhân có nhiều ảnh nhất trong bộ dữ liệu Labeled Faces in the Wild (LFW), mỗi cá nhân có ít nhất 50 ảnh.</a:t>
             </a:r>
-            <a:endParaRPr lang="en-US" sz="2720">
-              <a:solidFill>
-                <a:srgbClr val="000000"/>
-              </a:solidFill>
-              <a:latin typeface="Quicksand"/>
-              <a:ea typeface="Quicksand"/>
-              <a:cs typeface="Quicksand"/>
-              <a:sym typeface="Quicksand"/>
-            </a:endParaRPr>
-          </a:p>
-          <a:p>
-            <a:pPr marL="587375" lvl="1" indent="-293370" algn="l">
+          </a:p>
+          <a:p>
+            <a:pPr marL="587249" lvl="1" indent="-293624" algn="l">
               <a:lnSpc>
                 <a:spcPts val="4080"/>
               </a:lnSpc>
-              <a:buFont typeface="Arial" panose="020B0604020202020204"/>
+              <a:buFont typeface="Arial"/>
               <a:buChar char="•"/>
             </a:pPr>
             <a:r>
@@ -7061,15 +6689,6 @@
               </a:rPr>
               <a:t>Ảnh được xử lý bằng kỹ thuật deep funneling để căn chỉnh khuôn mặt, giảm biến thiên do góc chụp, ánh sáng, giúp mô hình học đặc trưng khuôn mặt chính xác hơn.</a:t>
             </a:r>
-            <a:endParaRPr lang="en-US" sz="2720">
-              <a:solidFill>
-                <a:srgbClr val="000000"/>
-              </a:solidFill>
-              <a:latin typeface="Quicksand"/>
-              <a:ea typeface="Quicksand"/>
-              <a:cs typeface="Quicksand"/>
-              <a:sym typeface="Quicksand"/>
-            </a:endParaRPr>
           </a:p>
         </p:txBody>
       </p:sp>
@@ -7096,7 +6715,7 @@
           <a:p>
             <a:pPr algn="ctr">
               <a:lnSpc>
-                <a:spcPts val="3810"/>
+                <a:spcPts val="3808"/>
               </a:lnSpc>
               <a:spcBef>
                 <a:spcPct val="0"/>
@@ -7114,15 +6733,6 @@
               </a:rPr>
               <a:t>Ví dụ hình ảnh được trích từ bộ dữ liệu LFW</a:t>
             </a:r>
-            <a:endParaRPr lang="en-US" sz="2720">
-              <a:solidFill>
-                <a:srgbClr val="000000"/>
-              </a:solidFill>
-              <a:latin typeface="Quicksand"/>
-              <a:ea typeface="Quicksand"/>
-              <a:cs typeface="Quicksand"/>
-              <a:sym typeface="Quicksand"/>
-            </a:endParaRPr>
           </a:p>
         </p:txBody>
       </p:sp>
@@ -7190,7 +6800,7 @@
             </a:pathLst>
           </a:custGeom>
           <a:blipFill>
-            <a:blip r:embed="rId1"/>
+            <a:blip r:embed="rId2"/>
             <a:stretch>
               <a:fillRect/>
             </a:stretch>
@@ -7242,22 +6852,13 @@
               </a:rPr>
               <a:t>   Sơ đồ này mô tả pipeline huấn luyện lại mô hình nhận diện khuôn mặt:</a:t>
             </a:r>
-            <a:endParaRPr lang="en-US" sz="2720">
-              <a:solidFill>
-                <a:srgbClr val="000000"/>
-              </a:solidFill>
-              <a:latin typeface="Quicksand"/>
-              <a:ea typeface="Quicksand"/>
-              <a:cs typeface="Quicksand"/>
-              <a:sym typeface="Quicksand"/>
-            </a:endParaRPr>
-          </a:p>
-          <a:p>
-            <a:pPr marL="587375" lvl="1" indent="-293370" algn="l">
+          </a:p>
+          <a:p>
+            <a:pPr marL="587249" lvl="1" indent="-293624" algn="l">
               <a:lnSpc>
                 <a:spcPts val="4080"/>
               </a:lnSpc>
-              <a:buFont typeface="Arial" panose="020B0604020202020204"/>
+              <a:buFont typeface="Arial"/>
               <a:buChar char="•"/>
             </a:pPr>
             <a:r>
@@ -7272,22 +6873,13 @@
               </a:rPr>
               <a:t>Ảnh đầu vào được trích xuất đặc trưng qua InceptionV3.</a:t>
             </a:r>
-            <a:endParaRPr lang="en-US" sz="2720">
-              <a:solidFill>
-                <a:srgbClr val="000000"/>
-              </a:solidFill>
-              <a:latin typeface="Quicksand"/>
-              <a:ea typeface="Quicksand"/>
-              <a:cs typeface="Quicksand"/>
-              <a:sym typeface="Quicksand"/>
-            </a:endParaRPr>
-          </a:p>
-          <a:p>
-            <a:pPr marL="587375" lvl="1" indent="-293370" algn="l">
+          </a:p>
+          <a:p>
+            <a:pPr marL="587249" lvl="1" indent="-293624" algn="l">
               <a:lnSpc>
                 <a:spcPts val="4080"/>
               </a:lnSpc>
-              <a:buFont typeface="Arial" panose="020B0604020202020204"/>
+              <a:buFont typeface="Arial"/>
               <a:buChar char="•"/>
             </a:pPr>
             <a:r>
@@ -7302,22 +6894,13 @@
               </a:rPr>
               <a:t>Đặc trưng này được đưa vào lớp phân loại mới để xác định cá nhân.</a:t>
             </a:r>
-            <a:endParaRPr lang="en-US" sz="2720">
-              <a:solidFill>
-                <a:srgbClr val="000000"/>
-              </a:solidFill>
-              <a:latin typeface="Quicksand"/>
-              <a:ea typeface="Quicksand"/>
-              <a:cs typeface="Quicksand"/>
-              <a:sym typeface="Quicksand"/>
-            </a:endParaRPr>
-          </a:p>
-          <a:p>
-            <a:pPr marL="587375" lvl="1" indent="-293370" algn="l">
+          </a:p>
+          <a:p>
+            <a:pPr marL="587249" lvl="1" indent="-293624" algn="l">
               <a:lnSpc>
                 <a:spcPts val="4080"/>
               </a:lnSpc>
-              <a:buFont typeface="Arial" panose="020B0604020202020204"/>
+              <a:buFont typeface="Arial"/>
               <a:buChar char="•"/>
             </a:pPr>
             <a:r>
@@ -7332,22 +6915,13 @@
               </a:rPr>
               <a:t>Quá trình huấn luyện, đánh giá, lưu mô hình được kiểm soát qua các node train, eval, save, init_and_saver.</a:t>
             </a:r>
-            <a:endParaRPr lang="en-US" sz="2720">
-              <a:solidFill>
-                <a:srgbClr val="000000"/>
-              </a:solidFill>
-              <a:latin typeface="Quicksand"/>
-              <a:ea typeface="Quicksand"/>
-              <a:cs typeface="Quicksand"/>
-              <a:sym typeface="Quicksand"/>
-            </a:endParaRPr>
-          </a:p>
-          <a:p>
-            <a:pPr marL="587375" lvl="1" indent="-293370" algn="l">
+          </a:p>
+          <a:p>
+            <a:pPr marL="587249" lvl="1" indent="-293624" algn="l">
               <a:lnSpc>
                 <a:spcPts val="4080"/>
               </a:lnSpc>
-              <a:buFont typeface="Arial" panose="020B0604020202020204"/>
+              <a:buFont typeface="Arial"/>
               <a:buChar char="•"/>
             </a:pPr>
             <a:r>
@@ -7362,15 +6936,6 @@
               </a:rPr>
               <a:t>Mục tiêu là tối ưu hóa khả năng phân biệt giữa các cá nhân dựa vào ảnh khuôn mặt đầu vào.</a:t>
             </a:r>
-            <a:endParaRPr lang="en-US" sz="2720">
-              <a:solidFill>
-                <a:srgbClr val="000000"/>
-              </a:solidFill>
-              <a:latin typeface="Quicksand"/>
-              <a:ea typeface="Quicksand"/>
-              <a:cs typeface="Quicksand"/>
-              <a:sym typeface="Quicksand"/>
-            </a:endParaRPr>
           </a:p>
           <a:p>
             <a:pPr algn="l">
@@ -7390,15 +6955,6 @@
               </a:rPr>
               <a:t>Sơ đồ này là một biểu diễn trực quan cho pipeline fine-tuning CNN trong nhận diện khuôn mặt, thể hiện rõ các bước chính và luồng dữ liệu trong quá trình huấn luyện mô hình.</a:t>
             </a:r>
-            <a:endParaRPr lang="en-US" sz="2720">
-              <a:solidFill>
-                <a:srgbClr val="000000"/>
-              </a:solidFill>
-              <a:latin typeface="Quicksand"/>
-              <a:ea typeface="Quicksand"/>
-              <a:cs typeface="Quicksand"/>
-              <a:sym typeface="Quicksand"/>
-            </a:endParaRPr>
           </a:p>
         </p:txBody>
       </p:sp>
@@ -7425,11 +6981,11 @@
           <a:p>
             <a:pPr algn="l">
               <a:lnSpc>
-                <a:spcPts val="7000"/>
+                <a:spcPts val="6999"/>
               </a:lnSpc>
             </a:pPr>
             <a:r>
-              <a:rPr lang="en-US" sz="5000" b="1">
+              <a:rPr lang="en-US" sz="4999" b="1">
                 <a:solidFill>
                   <a:srgbClr val="00BF63"/>
                 </a:solidFill>
@@ -7440,15 +6996,6 @@
               </a:rPr>
               <a:t>2.2 Quy trình huấn luyện lại mô hình Inception V3</a:t>
             </a:r>
-            <a:endParaRPr lang="en-US" sz="5000" b="1">
-              <a:solidFill>
-                <a:srgbClr val="00BF63"/>
-              </a:solidFill>
-              <a:latin typeface="Quicksand Bold"/>
-              <a:ea typeface="Quicksand Bold"/>
-              <a:cs typeface="Quicksand Bold"/>
-              <a:sym typeface="Quicksand Bold"/>
-            </a:endParaRPr>
           </a:p>
         </p:txBody>
       </p:sp>
@@ -7475,11 +7022,11 @@
           <a:p>
             <a:pPr algn="l">
               <a:lnSpc>
-                <a:spcPts val="6160"/>
+                <a:spcPts val="6159"/>
               </a:lnSpc>
             </a:pPr>
             <a:r>
-              <a:rPr lang="en-US" sz="4400" b="1">
+              <a:rPr lang="en-US" sz="4399" b="1">
                 <a:solidFill>
                   <a:srgbClr val="00BF63"/>
                 </a:solidFill>
@@ -7490,15 +7037,6 @@
               </a:rPr>
               <a:t>2.2.1 Lớp ban đầu</a:t>
             </a:r>
-            <a:endParaRPr lang="en-US" sz="4400" b="1">
-              <a:solidFill>
-                <a:srgbClr val="00BF63"/>
-              </a:solidFill>
-              <a:latin typeface="Quicksand Bold"/>
-              <a:ea typeface="Quicksand Bold"/>
-              <a:cs typeface="Quicksand Bold"/>
-              <a:sym typeface="Quicksand Bold"/>
-            </a:endParaRPr>
           </a:p>
         </p:txBody>
       </p:sp>
@@ -7788,10 +7326,7 @@
       </a:bgFillStyleLst>
     </a:fmtScheme>
   </a:themeElements>
-  <a:extLst>
-    <a:ext uri="{05A4C25C-085E-4340-85A3-A5531E510DB2}">
-      <thm15:themeFamily xmlns:thm15="http://schemas.microsoft.com/office/thememl/2012/main" name="Office Theme" id="{62F939B6-93AF-4DB8-9C6B-D6C7DFDC589F}" vid="{4A3C46E8-61CC-4603-A589-7422A47A8E4A}"/>
-    </a:ext>
-  </a:extLst>
+  <a:objectDefaults/>
+  <a:extraClrSchemeLst/>
 </a:theme>
 </file>